--- a/Slide.pptx
+++ b/Slide.pptx
@@ -221,7 +221,7 @@
           <a:p>
             <a:fld id="{D970AFF1-7FA8-4977-8962-981861B09B10}" type="datetimeFigureOut">
               <a:rPr lang="en-US" smtClean="0"/>
-              <a:t>15/1/2021</a:t>
+              <a:t>15-Jan-21</a:t>
             </a:fld>
             <a:endParaRPr lang="en-US"/>
           </a:p>
@@ -1546,7 +1546,7 @@
           <a:p>
             <a:fld id="{E5E800DD-F329-4895-84F4-1E68EE8E2395}" type="datetimeFigureOut">
               <a:rPr lang="en-US" smtClean="0"/>
-              <a:t>15/1/2021</a:t>
+              <a:t>15-Jan-21</a:t>
             </a:fld>
             <a:endParaRPr lang="en-US"/>
           </a:p>
@@ -1797,7 +1797,7 @@
           <a:p>
             <a:fld id="{E5E800DD-F329-4895-84F4-1E68EE8E2395}" type="datetimeFigureOut">
               <a:rPr lang="en-US" smtClean="0"/>
-              <a:t>15/1/2021</a:t>
+              <a:t>15-Jan-21</a:t>
             </a:fld>
             <a:endParaRPr lang="en-US"/>
           </a:p>
@@ -2111,7 +2111,7 @@
           <a:p>
             <a:fld id="{E5E800DD-F329-4895-84F4-1E68EE8E2395}" type="datetimeFigureOut">
               <a:rPr lang="en-US" smtClean="0"/>
-              <a:t>15/1/2021</a:t>
+              <a:t>15-Jan-21</a:t>
             </a:fld>
             <a:endParaRPr lang="en-US"/>
           </a:p>
@@ -2452,7 +2452,7 @@
           <a:p>
             <a:fld id="{E5E800DD-F329-4895-84F4-1E68EE8E2395}" type="datetimeFigureOut">
               <a:rPr lang="en-US" smtClean="0"/>
-              <a:t>15/1/2021</a:t>
+              <a:t>15-Jan-21</a:t>
             </a:fld>
             <a:endParaRPr lang="en-US"/>
           </a:p>
@@ -2766,7 +2766,7 @@
           <a:p>
             <a:fld id="{E5E800DD-F329-4895-84F4-1E68EE8E2395}" type="datetimeFigureOut">
               <a:rPr lang="en-US" smtClean="0"/>
-              <a:t>15/1/2021</a:t>
+              <a:t>15-Jan-21</a:t>
             </a:fld>
             <a:endParaRPr lang="en-US"/>
           </a:p>
@@ -3159,7 +3159,7 @@
           <a:p>
             <a:fld id="{E5E800DD-F329-4895-84F4-1E68EE8E2395}" type="datetimeFigureOut">
               <a:rPr lang="en-US" smtClean="0"/>
-              <a:t>15/1/2021</a:t>
+              <a:t>15-Jan-21</a:t>
             </a:fld>
             <a:endParaRPr lang="en-US"/>
           </a:p>
@@ -3329,7 +3329,7 @@
           <a:p>
             <a:fld id="{E5E800DD-F329-4895-84F4-1E68EE8E2395}" type="datetimeFigureOut">
               <a:rPr lang="en-US" smtClean="0"/>
-              <a:t>15/1/2021</a:t>
+              <a:t>15-Jan-21</a:t>
             </a:fld>
             <a:endParaRPr lang="en-US"/>
           </a:p>
@@ -3509,7 +3509,7 @@
           <a:p>
             <a:fld id="{E5E800DD-F329-4895-84F4-1E68EE8E2395}" type="datetimeFigureOut">
               <a:rPr lang="en-US" smtClean="0"/>
-              <a:t>15/1/2021</a:t>
+              <a:t>15-Jan-21</a:t>
             </a:fld>
             <a:endParaRPr lang="en-US"/>
           </a:p>
@@ -3685,7 +3685,7 @@
           <a:p>
             <a:fld id="{E5E800DD-F329-4895-84F4-1E68EE8E2395}" type="datetimeFigureOut">
               <a:rPr lang="en-US" smtClean="0"/>
-              <a:t>15/1/2021</a:t>
+              <a:t>15-Jan-21</a:t>
             </a:fld>
             <a:endParaRPr lang="en-US"/>
           </a:p>
@@ -3932,7 +3932,7 @@
           <a:p>
             <a:fld id="{E5E800DD-F329-4895-84F4-1E68EE8E2395}" type="datetimeFigureOut">
               <a:rPr lang="en-US" smtClean="0"/>
-              <a:t>15/1/2021</a:t>
+              <a:t>15-Jan-21</a:t>
             </a:fld>
             <a:endParaRPr lang="en-US"/>
           </a:p>
@@ -4164,7 +4164,7 @@
           <a:p>
             <a:fld id="{E5E800DD-F329-4895-84F4-1E68EE8E2395}" type="datetimeFigureOut">
               <a:rPr lang="en-US" smtClean="0"/>
-              <a:t>15/1/2021</a:t>
+              <a:t>15-Jan-21</a:t>
             </a:fld>
             <a:endParaRPr lang="en-US"/>
           </a:p>
@@ -4538,7 +4538,7 @@
           <a:p>
             <a:fld id="{E5E800DD-F329-4895-84F4-1E68EE8E2395}" type="datetimeFigureOut">
               <a:rPr lang="en-US" smtClean="0"/>
-              <a:t>15/1/2021</a:t>
+              <a:t>15-Jan-21</a:t>
             </a:fld>
             <a:endParaRPr lang="en-US"/>
           </a:p>
@@ -4661,7 +4661,7 @@
           <a:p>
             <a:fld id="{E5E800DD-F329-4895-84F4-1E68EE8E2395}" type="datetimeFigureOut">
               <a:rPr lang="en-US" smtClean="0"/>
-              <a:t>15/1/2021</a:t>
+              <a:t>15-Jan-21</a:t>
             </a:fld>
             <a:endParaRPr lang="en-US"/>
           </a:p>
@@ -4756,7 +4756,7 @@
           <a:p>
             <a:fld id="{E5E800DD-F329-4895-84F4-1E68EE8E2395}" type="datetimeFigureOut">
               <a:rPr lang="en-US" smtClean="0"/>
-              <a:t>15/1/2021</a:t>
+              <a:t>15-Jan-21</a:t>
             </a:fld>
             <a:endParaRPr lang="en-US"/>
           </a:p>
@@ -5011,7 +5011,7 @@
           <a:p>
             <a:fld id="{E5E800DD-F329-4895-84F4-1E68EE8E2395}" type="datetimeFigureOut">
               <a:rPr lang="en-US" smtClean="0"/>
-              <a:t>15/1/2021</a:t>
+              <a:t>15-Jan-21</a:t>
             </a:fld>
             <a:endParaRPr lang="en-US"/>
           </a:p>
@@ -5274,7 +5274,7 @@
           <a:p>
             <a:fld id="{E5E800DD-F329-4895-84F4-1E68EE8E2395}" type="datetimeFigureOut">
               <a:rPr lang="en-US" smtClean="0"/>
-              <a:t>15/1/2021</a:t>
+              <a:t>15-Jan-21</a:t>
             </a:fld>
             <a:endParaRPr lang="en-US"/>
           </a:p>
@@ -6017,7 +6017,7 @@
           <a:p>
             <a:fld id="{E5E800DD-F329-4895-84F4-1E68EE8E2395}" type="datetimeFigureOut">
               <a:rPr lang="en-US" smtClean="0"/>
-              <a:t>15/1/2021</a:t>
+              <a:t>15-Jan-21</a:t>
             </a:fld>
             <a:endParaRPr lang="en-US"/>
           </a:p>
@@ -6724,6 +6724,13 @@
   <p:clrMapOvr>
     <a:masterClrMapping/>
   </p:clrMapOvr>
+  <p:timing>
+    <p:tnLst>
+      <p:par>
+        <p:cTn id="1" dur="indefinite" restart="never" nodeType="tmRoot"/>
+      </p:par>
+    </p:tnLst>
+  </p:timing>
 </p:sld>
 </file>
 
@@ -6888,6 +6895,13 @@
   <p:clrMapOvr>
     <a:masterClrMapping/>
   </p:clrMapOvr>
+  <p:timing>
+    <p:tnLst>
+      <p:par>
+        <p:cTn id="1" dur="indefinite" restart="never" nodeType="tmRoot"/>
+      </p:par>
+    </p:tnLst>
+  </p:timing>
 </p:sld>
 </file>
 
@@ -6990,7 +7004,7 @@
           <a:lstStyle/>
           <a:p>
             <a:r>
-              <a:rPr lang="en-US" b="1" dirty="0" err="1">
+              <a:rPr lang="en-US" b="1" dirty="0">
                 <a:solidFill>
                   <a:srgbClr val="000000"/>
                 </a:solidFill>
@@ -6999,54 +7013,24 @@
               <a:t>T</a:t>
             </a:r>
             <a:r>
-              <a:rPr lang="en-US" b="1" i="0" dirty="0" err="1">
+              <a:rPr lang="en-US" b="1" i="0" dirty="0">
                 <a:solidFill>
                   <a:srgbClr val="000000"/>
                 </a:solidFill>
                 <a:effectLst/>
                 <a:latin typeface="Helvetica Neue"/>
               </a:rPr>
-              <a:t>ách</a:t>
-            </a:r>
-            <a:r>
-              <a:rPr lang="en-US" b="1" i="0" dirty="0">
+              <a:t>ách các </a:t>
+            </a:r>
+            <a:r>
+              <a:rPr lang="en-US" b="1" i="0" dirty="0" smtClean="0">
                 <a:solidFill>
                   <a:srgbClr val="000000"/>
                 </a:solidFill>
                 <a:effectLst/>
                 <a:latin typeface="Helvetica Neue"/>
               </a:rPr>
-              <a:t> </a:t>
-            </a:r>
-            <a:r>
-              <a:rPr lang="en-US" b="1" i="0" dirty="0" err="1">
-                <a:solidFill>
-                  <a:srgbClr val="000000"/>
-                </a:solidFill>
-                <a:effectLst/>
-                <a:latin typeface="Helvetica Neue"/>
-              </a:rPr>
-              <a:t>các</a:t>
-            </a:r>
-            <a:r>
-              <a:rPr lang="en-US" b="1" i="0" dirty="0">
-                <a:solidFill>
-                  <a:srgbClr val="000000"/>
-                </a:solidFill>
-                <a:effectLst/>
-                <a:latin typeface="Helvetica Neue"/>
-              </a:rPr>
-              <a:t> </a:t>
-            </a:r>
-            <a:r>
-              <a:rPr lang="en-US" b="1" i="0" dirty="0" err="1">
-                <a:solidFill>
-                  <a:srgbClr val="000000"/>
-                </a:solidFill>
-                <a:effectLst/>
-                <a:latin typeface="Helvetica Neue"/>
-              </a:rPr>
-              <a:t>tập</a:t>
+              <a:t>tập:</a:t>
             </a:r>
             <a:endParaRPr lang="en-US" b="1" i="0" dirty="0">
               <a:solidFill>
@@ -7059,245 +7043,32 @@
           <a:p>
             <a:pPr lvl="1"/>
             <a:r>
-              <a:rPr lang="en-US" b="0" i="0" dirty="0" err="1">
+              <a:rPr lang="en-US" b="0" i="0" dirty="0">
                 <a:solidFill>
                   <a:srgbClr val="000000"/>
                 </a:solidFill>
                 <a:effectLst/>
                 <a:latin typeface="Helvetica Neue"/>
               </a:rPr>
-              <a:t>Tách</a:t>
-            </a:r>
-            <a:r>
-              <a:rPr lang="en-US" b="0" i="0" dirty="0">
+              <a:t>Tách dữ liệu theo tỉ lệ: 80% cho tập train, 10% cho tập validation, 10% cho tập </a:t>
+            </a:r>
+            <a:r>
+              <a:rPr lang="en-US" b="0" i="0" dirty="0" smtClean="0">
                 <a:solidFill>
                   <a:srgbClr val="000000"/>
                 </a:solidFill>
                 <a:effectLst/>
                 <a:latin typeface="Helvetica Neue"/>
               </a:rPr>
-              <a:t> </a:t>
-            </a:r>
-            <a:r>
-              <a:rPr lang="en-US" b="0" i="0" dirty="0" err="1">
-                <a:solidFill>
-                  <a:srgbClr val="000000"/>
-                </a:solidFill>
-                <a:effectLst/>
-                <a:latin typeface="Helvetica Neue"/>
-              </a:rPr>
-              <a:t>dữ</a:t>
-            </a:r>
-            <a:r>
-              <a:rPr lang="en-US" b="0" i="0" dirty="0">
-                <a:solidFill>
-                  <a:srgbClr val="000000"/>
-                </a:solidFill>
-                <a:effectLst/>
-                <a:latin typeface="Helvetica Neue"/>
-              </a:rPr>
-              <a:t> </a:t>
-            </a:r>
-            <a:r>
-              <a:rPr lang="en-US" b="0" i="0" dirty="0" err="1">
-                <a:solidFill>
-                  <a:srgbClr val="000000"/>
-                </a:solidFill>
-                <a:effectLst/>
-                <a:latin typeface="Helvetica Neue"/>
-              </a:rPr>
-              <a:t>liệu</a:t>
-            </a:r>
-            <a:r>
-              <a:rPr lang="en-US" b="0" i="0" dirty="0">
-                <a:solidFill>
-                  <a:srgbClr val="000000"/>
-                </a:solidFill>
-                <a:effectLst/>
-                <a:latin typeface="Helvetica Neue"/>
-              </a:rPr>
-              <a:t> </a:t>
-            </a:r>
-            <a:r>
-              <a:rPr lang="en-US" b="0" i="0" dirty="0" err="1">
-                <a:solidFill>
-                  <a:srgbClr val="000000"/>
-                </a:solidFill>
-                <a:effectLst/>
-                <a:latin typeface="Helvetica Neue"/>
-              </a:rPr>
-              <a:t>theo</a:t>
-            </a:r>
-            <a:r>
-              <a:rPr lang="en-US" b="0" i="0" dirty="0">
-                <a:solidFill>
-                  <a:srgbClr val="000000"/>
-                </a:solidFill>
-                <a:effectLst/>
-                <a:latin typeface="Helvetica Neue"/>
-              </a:rPr>
-              <a:t> </a:t>
-            </a:r>
-            <a:r>
-              <a:rPr lang="en-US" b="0" i="0" dirty="0" err="1">
-                <a:solidFill>
-                  <a:srgbClr val="000000"/>
-                </a:solidFill>
-                <a:effectLst/>
-                <a:latin typeface="Helvetica Neue"/>
-              </a:rPr>
-              <a:t>tỉ</a:t>
-            </a:r>
-            <a:r>
-              <a:rPr lang="en-US" b="0" i="0" dirty="0">
-                <a:solidFill>
-                  <a:srgbClr val="000000"/>
-                </a:solidFill>
-                <a:effectLst/>
-                <a:latin typeface="Helvetica Neue"/>
-              </a:rPr>
-              <a:t> </a:t>
-            </a:r>
-            <a:r>
-              <a:rPr lang="en-US" b="0" i="0" dirty="0" err="1">
-                <a:solidFill>
-                  <a:srgbClr val="000000"/>
-                </a:solidFill>
-                <a:effectLst/>
-                <a:latin typeface="Helvetica Neue"/>
-              </a:rPr>
-              <a:t>lệ</a:t>
-            </a:r>
-            <a:r>
-              <a:rPr lang="en-US" b="0" i="0" dirty="0">
-                <a:solidFill>
-                  <a:srgbClr val="000000"/>
-                </a:solidFill>
-                <a:effectLst/>
-                <a:latin typeface="Helvetica Neue"/>
-              </a:rPr>
-              <a:t>: 80% </a:t>
-            </a:r>
-            <a:r>
-              <a:rPr lang="en-US" b="0" i="0" dirty="0" err="1">
-                <a:solidFill>
-                  <a:srgbClr val="000000"/>
-                </a:solidFill>
-                <a:effectLst/>
-                <a:latin typeface="Helvetica Neue"/>
-              </a:rPr>
-              <a:t>cho</a:t>
-            </a:r>
-            <a:r>
-              <a:rPr lang="en-US" b="0" i="0" dirty="0">
-                <a:solidFill>
-                  <a:srgbClr val="000000"/>
-                </a:solidFill>
-                <a:effectLst/>
-                <a:latin typeface="Helvetica Neue"/>
-              </a:rPr>
-              <a:t> </a:t>
-            </a:r>
-            <a:r>
-              <a:rPr lang="en-US" b="0" i="0" dirty="0" err="1">
-                <a:solidFill>
-                  <a:srgbClr val="000000"/>
-                </a:solidFill>
-                <a:effectLst/>
-                <a:latin typeface="Helvetica Neue"/>
-              </a:rPr>
-              <a:t>tập</a:t>
-            </a:r>
-            <a:r>
-              <a:rPr lang="en-US" b="0" i="0" dirty="0">
-                <a:solidFill>
-                  <a:srgbClr val="000000"/>
-                </a:solidFill>
-                <a:effectLst/>
-                <a:latin typeface="Helvetica Neue"/>
-              </a:rPr>
-              <a:t> train, 10% </a:t>
-            </a:r>
-            <a:r>
-              <a:rPr lang="en-US" b="0" i="0" dirty="0" err="1">
-                <a:solidFill>
-                  <a:srgbClr val="000000"/>
-                </a:solidFill>
-                <a:effectLst/>
-                <a:latin typeface="Helvetica Neue"/>
-              </a:rPr>
-              <a:t>cho</a:t>
-            </a:r>
-            <a:r>
-              <a:rPr lang="en-US" b="0" i="0" dirty="0">
-                <a:solidFill>
-                  <a:srgbClr val="000000"/>
-                </a:solidFill>
-                <a:effectLst/>
-                <a:latin typeface="Helvetica Neue"/>
-              </a:rPr>
-              <a:t> </a:t>
-            </a:r>
-            <a:r>
-              <a:rPr lang="en-US" b="0" i="0" dirty="0" err="1">
-                <a:solidFill>
-                  <a:srgbClr val="000000"/>
-                </a:solidFill>
-                <a:effectLst/>
-                <a:latin typeface="Helvetica Neue"/>
-              </a:rPr>
-              <a:t>tập</a:t>
-            </a:r>
-            <a:r>
-              <a:rPr lang="en-US" b="0" i="0" dirty="0">
-                <a:solidFill>
-                  <a:srgbClr val="000000"/>
-                </a:solidFill>
-                <a:effectLst/>
-                <a:latin typeface="Helvetica Neue"/>
-              </a:rPr>
-              <a:t> validation, 10% </a:t>
-            </a:r>
-            <a:r>
-              <a:rPr lang="en-US" b="0" i="0" dirty="0" err="1">
-                <a:solidFill>
-                  <a:srgbClr val="000000"/>
-                </a:solidFill>
-                <a:effectLst/>
-                <a:latin typeface="Helvetica Neue"/>
-              </a:rPr>
-              <a:t>cho</a:t>
-            </a:r>
-            <a:r>
-              <a:rPr lang="en-US" b="0" i="0" dirty="0">
-                <a:solidFill>
-                  <a:srgbClr val="000000"/>
-                </a:solidFill>
-                <a:effectLst/>
-                <a:latin typeface="Helvetica Neue"/>
-              </a:rPr>
-              <a:t> </a:t>
-            </a:r>
-            <a:r>
-              <a:rPr lang="en-US" b="0" i="0" dirty="0" err="1">
-                <a:solidFill>
-                  <a:srgbClr val="000000"/>
-                </a:solidFill>
-                <a:effectLst/>
-                <a:latin typeface="Helvetica Neue"/>
-              </a:rPr>
-              <a:t>tập</a:t>
-            </a:r>
-            <a:r>
-              <a:rPr lang="en-US" b="0" i="0" dirty="0">
-                <a:solidFill>
-                  <a:srgbClr val="000000"/>
-                </a:solidFill>
-                <a:effectLst/>
-                <a:latin typeface="Helvetica Neue"/>
-              </a:rPr>
-              <a:t> test</a:t>
-            </a:r>
+              <a:t>test.</a:t>
+            </a:r>
+            <a:endParaRPr lang="en-US" b="0" i="0" dirty="0">
+              <a:solidFill>
+                <a:srgbClr val="000000"/>
+              </a:solidFill>
+              <a:effectLst/>
+              <a:latin typeface="Helvetica Neue"/>
+            </a:endParaRPr>
           </a:p>
           <a:p>
             <a:pPr lvl="1"/>
@@ -7802,6 +7573,13 @@
   <p:clrMapOvr>
     <a:masterClrMapping/>
   </p:clrMapOvr>
+  <p:timing>
+    <p:tnLst>
+      <p:par>
+        <p:cTn id="1" dur="indefinite" restart="never" nodeType="tmRoot"/>
+      </p:par>
+    </p:tnLst>
+  </p:timing>
 </p:sld>
 </file>
 
@@ -8052,31 +7830,31 @@
               <a:buNone/>
             </a:pPr>
             <a:r>
-              <a:rPr lang="en-US" dirty="0"/>
+              <a:rPr lang="en-US" sz="1800" dirty="0"/>
               <a:t>class </a:t>
             </a:r>
             <a:r>
-              <a:rPr lang="en-US" dirty="0" err="1"/>
+              <a:rPr lang="en-US" sz="1800" dirty="0" err="1"/>
               <a:t>ColDropper</a:t>
             </a:r>
             <a:r>
-              <a:rPr lang="en-US" dirty="0"/>
+              <a:rPr lang="en-US" sz="1800" dirty="0"/>
               <a:t>(</a:t>
             </a:r>
             <a:r>
-              <a:rPr lang="en-US" dirty="0" err="1"/>
+              <a:rPr lang="en-US" sz="1800" dirty="0" err="1"/>
               <a:t>BaseEstimator</a:t>
             </a:r>
             <a:r>
-              <a:rPr lang="en-US" dirty="0"/>
+              <a:rPr lang="en-US" sz="1800" dirty="0"/>
               <a:t>, </a:t>
             </a:r>
             <a:r>
-              <a:rPr lang="en-US" dirty="0" err="1"/>
+              <a:rPr lang="en-US" sz="1800" dirty="0" err="1"/>
               <a:t>TransformerMixin</a:t>
             </a:r>
             <a:r>
-              <a:rPr lang="en-US" dirty="0"/>
+              <a:rPr lang="en-US" sz="1800" dirty="0"/>
               <a:t>)</a:t>
             </a:r>
           </a:p>
@@ -8137,6 +7915,13 @@
   <p:clrMapOvr>
     <a:masterClrMapping/>
   </p:clrMapOvr>
+  <p:timing>
+    <p:tnLst>
+      <p:par>
+        <p:cTn id="1" dur="indefinite" restart="never" nodeType="tmRoot"/>
+      </p:par>
+    </p:tnLst>
+  </p:timing>
 </p:sld>
 </file>
 
@@ -8295,190 +8080,30 @@
               <a:buNone/>
             </a:pPr>
             <a:r>
-              <a:rPr lang="en-US" b="1" dirty="0"/>
+              <a:rPr lang="en-US" b="1" dirty="0">
+                <a:latin typeface="Times New Roman" panose="02020603050405020304" pitchFamily="18" charset="0"/>
+                <a:cs typeface="Times New Roman" panose="02020603050405020304" pitchFamily="18" charset="0"/>
+              </a:rPr>
               <a:t>	</a:t>
             </a:r>
             <a:r>
-              <a:rPr lang="en-US" sz="6700" i="1" dirty="0" err="1"/>
-              <a:t>Vì</a:t>
-            </a:r>
-            <a:r>
-              <a:rPr lang="en-US" sz="6700" i="1" dirty="0"/>
-              <a:t> </a:t>
-            </a:r>
-            <a:r>
-              <a:rPr lang="en-US" sz="6700" i="1" dirty="0" err="1"/>
-              <a:t>dữ</a:t>
-            </a:r>
-            <a:r>
-              <a:rPr lang="en-US" sz="6700" i="1" dirty="0"/>
-              <a:t> </a:t>
-            </a:r>
-            <a:r>
-              <a:rPr lang="en-US" sz="6700" i="1" dirty="0" err="1"/>
-              <a:t>liệu</a:t>
-            </a:r>
-            <a:r>
-              <a:rPr lang="en-US" sz="6700" i="1" dirty="0"/>
-              <a:t> </a:t>
-            </a:r>
-            <a:r>
-              <a:rPr lang="en-US" sz="6700" i="1" dirty="0" err="1"/>
-              <a:t>thu</a:t>
-            </a:r>
-            <a:r>
-              <a:rPr lang="en-US" sz="6700" i="1" dirty="0"/>
-              <a:t> </a:t>
-            </a:r>
-            <a:r>
-              <a:rPr lang="en-US" sz="6700" i="1" dirty="0" err="1"/>
-              <a:t>được</a:t>
-            </a:r>
-            <a:r>
-              <a:rPr lang="en-US" sz="6700" i="1" dirty="0"/>
-              <a:t> </a:t>
-            </a:r>
-            <a:r>
-              <a:rPr lang="en-US" sz="6700" i="1" dirty="0" err="1"/>
-              <a:t>từ</a:t>
-            </a:r>
-            <a:r>
-              <a:rPr lang="en-US" sz="6700" i="1" dirty="0"/>
-              <a:t> API </a:t>
-            </a:r>
-            <a:r>
-              <a:rPr lang="en-US" sz="6700" i="1" dirty="0" err="1"/>
-              <a:t>rất</a:t>
-            </a:r>
-            <a:r>
-              <a:rPr lang="en-US" sz="6700" i="1" dirty="0"/>
-              <a:t> </a:t>
-            </a:r>
-            <a:r>
-              <a:rPr lang="en-US" sz="6700" i="1" dirty="0" err="1"/>
-              <a:t>chuẩn</a:t>
-            </a:r>
-            <a:r>
-              <a:rPr lang="en-US" sz="6700" i="1" dirty="0"/>
-              <a:t>, </a:t>
-            </a:r>
-            <a:r>
-              <a:rPr lang="en-US" sz="6700" i="1" dirty="0" err="1"/>
-              <a:t>missing_value</a:t>
-            </a:r>
-            <a:r>
-              <a:rPr lang="en-US" sz="6700" i="1" dirty="0"/>
-              <a:t>= 0 </a:t>
-            </a:r>
-            <a:r>
-              <a:rPr lang="en-US" sz="6700" i="1" dirty="0" err="1"/>
-              <a:t>với</a:t>
-            </a:r>
-            <a:r>
-              <a:rPr lang="en-US" sz="6700" i="1" dirty="0"/>
-              <a:t> </a:t>
-            </a:r>
-            <a:r>
-              <a:rPr lang="en-US" sz="6700" i="1" dirty="0" err="1"/>
-              <a:t>mọi</a:t>
-            </a:r>
-            <a:r>
-              <a:rPr lang="en-US" sz="6700" i="1" dirty="0"/>
-              <a:t> </a:t>
-            </a:r>
-            <a:r>
-              <a:rPr lang="en-US" sz="6700" i="1" dirty="0" err="1"/>
-              <a:t>thuộc</a:t>
-            </a:r>
-            <a:r>
-              <a:rPr lang="en-US" sz="6700" i="1" dirty="0"/>
-              <a:t> </a:t>
-            </a:r>
-            <a:r>
-              <a:rPr lang="en-US" sz="6700" i="1" dirty="0" err="1"/>
-              <a:t>tính</a:t>
-            </a:r>
-            <a:r>
-              <a:rPr lang="en-US" sz="6700" i="1" dirty="0"/>
-              <a:t>, </a:t>
-            </a:r>
-            <a:r>
-              <a:rPr lang="en-US" sz="6700" i="1" dirty="0" err="1"/>
-              <a:t>không</a:t>
-            </a:r>
-            <a:r>
-              <a:rPr lang="en-US" sz="6700" i="1" dirty="0"/>
-              <a:t> </a:t>
-            </a:r>
-            <a:r>
-              <a:rPr lang="en-US" sz="6700" i="1" dirty="0" err="1"/>
-              <a:t>có</a:t>
-            </a:r>
-            <a:r>
-              <a:rPr lang="en-US" sz="6700" i="1" dirty="0"/>
-              <a:t> </a:t>
-            </a:r>
-            <a:r>
-              <a:rPr lang="en-US" sz="6700" i="1" dirty="0" err="1"/>
-              <a:t>giá</a:t>
-            </a:r>
-            <a:r>
-              <a:rPr lang="en-US" sz="6700" i="1" dirty="0"/>
-              <a:t> </a:t>
-            </a:r>
-            <a:r>
-              <a:rPr lang="en-US" sz="6700" i="1" dirty="0" err="1"/>
-              <a:t>trị</a:t>
-            </a:r>
-            <a:r>
-              <a:rPr lang="en-US" sz="6700" i="1" dirty="0"/>
-              <a:t> NA, NULL </a:t>
-            </a:r>
-            <a:r>
-              <a:rPr lang="en-US" sz="6700" i="1" dirty="0" err="1"/>
-              <a:t>nên</a:t>
-            </a:r>
-            <a:r>
-              <a:rPr lang="en-US" sz="6700" i="1" dirty="0"/>
-              <a:t> </a:t>
-            </a:r>
-            <a:r>
-              <a:rPr lang="en-US" sz="6700" i="1" dirty="0" err="1"/>
-              <a:t>tiền</a:t>
-            </a:r>
-            <a:r>
-              <a:rPr lang="en-US" sz="6700" i="1" dirty="0"/>
-              <a:t> </a:t>
-            </a:r>
-            <a:r>
-              <a:rPr lang="en-US" sz="6700" i="1" dirty="0" err="1"/>
-              <a:t>hành</a:t>
-            </a:r>
-            <a:r>
-              <a:rPr lang="en-US" sz="6700" i="1" dirty="0"/>
-              <a:t> </a:t>
-            </a:r>
-            <a:r>
-              <a:rPr lang="en-US" sz="6700" i="1" dirty="0" err="1"/>
-              <a:t>mô</a:t>
-            </a:r>
-            <a:r>
-              <a:rPr lang="en-US" sz="6700" i="1" dirty="0"/>
-              <a:t> </a:t>
-            </a:r>
-            <a:r>
-              <a:rPr lang="en-US" sz="6700" i="1" dirty="0" err="1"/>
-              <a:t>hình</a:t>
-            </a:r>
-            <a:r>
-              <a:rPr lang="en-US" sz="6700" i="1" dirty="0"/>
-              <a:t> </a:t>
-            </a:r>
-            <a:r>
-              <a:rPr lang="en-US" sz="6700" i="1" dirty="0" err="1"/>
-              <a:t>hóa</a:t>
-            </a:r>
-            <a:endParaRPr lang="en-US" sz="6700" i="1" dirty="0"/>
+              <a:rPr lang="en-US" sz="7400" i="1" dirty="0">
+                <a:latin typeface="Times New Roman" panose="02020603050405020304" pitchFamily="18" charset="0"/>
+                <a:cs typeface="Times New Roman" panose="02020603050405020304" pitchFamily="18" charset="0"/>
+              </a:rPr>
+              <a:t>Vì dữ liệu thu được từ API rất chuẩn, missing_value= 0 với mọi thuộc tính, không có giá trị NA, NULL nên tiền hành mô hình </a:t>
+            </a:r>
+            <a:r>
+              <a:rPr lang="en-US" sz="7400" i="1" dirty="0" smtClean="0">
+                <a:latin typeface="Times New Roman" panose="02020603050405020304" pitchFamily="18" charset="0"/>
+                <a:cs typeface="Times New Roman" panose="02020603050405020304" pitchFamily="18" charset="0"/>
+              </a:rPr>
+              <a:t>hóa.</a:t>
+            </a:r>
+            <a:endParaRPr lang="en-US" sz="7400" i="1" dirty="0">
+              <a:latin typeface="Times New Roman" panose="02020603050405020304" pitchFamily="18" charset="0"/>
+              <a:cs typeface="Times New Roman" panose="02020603050405020304" pitchFamily="18" charset="0"/>
+            </a:endParaRPr>
           </a:p>
         </p:txBody>
       </p:sp>
@@ -8492,6 +8117,13 @@
   <p:clrMapOvr>
     <a:masterClrMapping/>
   </p:clrMapOvr>
+  <p:timing>
+    <p:tnLst>
+      <p:par>
+        <p:cTn id="1" dur="indefinite" restart="never" nodeType="tmRoot"/>
+      </p:par>
+    </p:tnLst>
+  </p:timing>
 </p:sld>
 </file>
 
@@ -8748,154 +8380,16 @@
           </a:p>
           <a:p>
             <a:r>
-              <a:rPr lang="en-US" sz="4800" b="1" dirty="0" err="1">
-                <a:latin typeface="Helvetica Neue"/>
-              </a:rPr>
-              <a:t>Với</a:t>
-            </a:r>
-            <a:r>
               <a:rPr lang="en-US" sz="4800" b="1" dirty="0">
                 <a:latin typeface="Helvetica Neue"/>
               </a:rPr>
-              <a:t> </a:t>
-            </a:r>
-            <a:r>
-              <a:rPr lang="en-US" sz="4800" b="1" dirty="0" err="1">
-                <a:latin typeface="Helvetica Neue"/>
-              </a:rPr>
-              <a:t>mỗi</a:t>
-            </a:r>
-            <a:r>
-              <a:rPr lang="en-US" sz="4800" b="1" dirty="0">
-                <a:latin typeface="Helvetica Neue"/>
-              </a:rPr>
-              <a:t> </a:t>
-            </a:r>
-            <a:r>
-              <a:rPr lang="en-US" sz="4800" b="1" dirty="0" err="1">
-                <a:latin typeface="Helvetica Neue"/>
-              </a:rPr>
-              <a:t>mô</a:t>
-            </a:r>
-            <a:r>
-              <a:rPr lang="en-US" sz="4800" b="1" dirty="0">
-                <a:latin typeface="Helvetica Neue"/>
-              </a:rPr>
-              <a:t> </a:t>
-            </a:r>
-            <a:r>
-              <a:rPr lang="en-US" sz="4800" b="1" dirty="0" err="1">
-                <a:latin typeface="Helvetica Neue"/>
-              </a:rPr>
-              <a:t>hình</a:t>
-            </a:r>
-            <a:r>
-              <a:rPr lang="en-US" sz="4800" b="1" dirty="0">
-                <a:latin typeface="Helvetica Neue"/>
-              </a:rPr>
-              <a:t>, </a:t>
-            </a:r>
-            <a:r>
-              <a:rPr lang="en-US" sz="4800" b="1" dirty="0" err="1">
-                <a:latin typeface="Helvetica Neue"/>
-              </a:rPr>
-              <a:t>tạo</a:t>
-            </a:r>
-            <a:r>
-              <a:rPr lang="en-US" sz="4800" b="1" dirty="0">
-                <a:latin typeface="Helvetica Neue"/>
-              </a:rPr>
-              <a:t> </a:t>
-            </a:r>
-            <a:r>
-              <a:rPr lang="en-US" sz="4800" b="1" dirty="0" err="1">
-                <a:latin typeface="Helvetica Neue"/>
-              </a:rPr>
-              <a:t>một</a:t>
-            </a:r>
-            <a:r>
-              <a:rPr lang="en-US" sz="4800" b="1" dirty="0">
-                <a:latin typeface="Helvetica Neue"/>
-              </a:rPr>
-              <a:t> pipeline </a:t>
-            </a:r>
-            <a:r>
-              <a:rPr lang="en-US" sz="4800" b="1" dirty="0" err="1">
-                <a:latin typeface="Helvetica Neue"/>
-              </a:rPr>
-              <a:t>với</a:t>
-            </a:r>
-            <a:r>
-              <a:rPr lang="en-US" sz="4800" b="1" dirty="0">
-                <a:latin typeface="Helvetica Neue"/>
-              </a:rPr>
-              <a:t> </a:t>
-            </a:r>
-            <a:r>
-              <a:rPr lang="en-US" sz="4800" b="1" dirty="0" err="1">
-                <a:latin typeface="Helvetica Neue"/>
-              </a:rPr>
-              <a:t>các</a:t>
-            </a:r>
-            <a:r>
-              <a:rPr lang="en-US" sz="4800" b="1" dirty="0">
-                <a:latin typeface="Helvetica Neue"/>
-              </a:rPr>
-              <a:t> </a:t>
-            </a:r>
-            <a:r>
-              <a:rPr lang="en-US" sz="4800" b="1" dirty="0" err="1">
-                <a:latin typeface="Helvetica Neue"/>
-              </a:rPr>
-              <a:t>bước</a:t>
-            </a:r>
-            <a:r>
-              <a:rPr lang="en-US" sz="4800" b="1" dirty="0">
-                <a:latin typeface="Helvetica Neue"/>
-              </a:rPr>
-              <a:t> </a:t>
-            </a:r>
-            <a:r>
-              <a:rPr lang="en-US" sz="4800" b="1" dirty="0" err="1">
-                <a:latin typeface="Helvetica Neue"/>
-              </a:rPr>
-              <a:t>tiền</a:t>
-            </a:r>
-            <a:r>
-              <a:rPr lang="en-US" sz="4800" b="1" dirty="0">
-                <a:latin typeface="Helvetica Neue"/>
-              </a:rPr>
-              <a:t> </a:t>
-            </a:r>
-            <a:r>
-              <a:rPr lang="en-US" sz="4800" b="1" dirty="0" err="1">
-                <a:latin typeface="Helvetica Neue"/>
-              </a:rPr>
-              <a:t>xử</a:t>
-            </a:r>
-            <a:r>
-              <a:rPr lang="en-US" sz="4800" b="1" dirty="0">
-                <a:latin typeface="Helvetica Neue"/>
-              </a:rPr>
-              <a:t> </a:t>
-            </a:r>
-            <a:r>
-              <a:rPr lang="en-US" sz="4800" b="1" dirty="0" err="1">
-                <a:latin typeface="Helvetica Neue"/>
-              </a:rPr>
-              <a:t>lý</a:t>
-            </a:r>
-            <a:r>
-              <a:rPr lang="en-US" sz="4800" b="1" dirty="0">
-                <a:latin typeface="Helvetica Neue"/>
-              </a:rPr>
-              <a:t> </a:t>
-            </a:r>
-            <a:r>
-              <a:rPr lang="en-US" sz="4800" b="1" dirty="0" err="1">
-                <a:latin typeface="Helvetica Neue"/>
-              </a:rPr>
-              <a:t>sau</a:t>
+              <a:t>Với mỗi mô hình, tạo một pipeline với các bước tiền xử lý </a:t>
+            </a:r>
+            <a:r>
+              <a:rPr lang="en-US" sz="4800" b="1" dirty="0" smtClean="0">
+                <a:latin typeface="Helvetica Neue"/>
+              </a:rPr>
+              <a:t>sau:</a:t>
             </a:r>
             <a:endParaRPr lang="en-US" sz="4800" b="1" dirty="0">
               <a:latin typeface="Helvetica Neue"/>
@@ -8978,6 +8472,13 @@
   <p:clrMapOvr>
     <a:masterClrMapping/>
   </p:clrMapOvr>
+  <p:timing>
+    <p:tnLst>
+      <p:par>
+        <p:cTn id="1" dur="indefinite" restart="never" nodeType="tmRoot"/>
+      </p:par>
+    </p:tnLst>
+  </p:timing>
 </p:sld>
 </file>
 
@@ -9172,94 +8673,16 @@
           </a:p>
           <a:p>
             <a:r>
-              <a:rPr lang="en-US" sz="3600" dirty="0" err="1">
-                <a:latin typeface="Helvetica Neue"/>
-              </a:rPr>
-              <a:t>Thay</a:t>
-            </a:r>
-            <a:r>
               <a:rPr lang="en-US" sz="3600" dirty="0">
                 <a:latin typeface="Helvetica Neue"/>
               </a:rPr>
-              <a:t> </a:t>
-            </a:r>
-            <a:r>
-              <a:rPr lang="en-US" sz="3600" dirty="0" err="1">
-                <a:latin typeface="Helvetica Neue"/>
-              </a:rPr>
-              <a:t>đổi</a:t>
-            </a:r>
-            <a:r>
-              <a:rPr lang="en-US" sz="3600" dirty="0">
-                <a:latin typeface="Helvetica Neue"/>
-              </a:rPr>
-              <a:t> </a:t>
-            </a:r>
-            <a:r>
-              <a:rPr lang="en-US" sz="3600" dirty="0" err="1">
-                <a:latin typeface="Helvetica Neue"/>
-              </a:rPr>
-              <a:t>siêu</a:t>
-            </a:r>
-            <a:r>
-              <a:rPr lang="en-US" sz="3600" dirty="0">
-                <a:latin typeface="Helvetica Neue"/>
-              </a:rPr>
-              <a:t> </a:t>
-            </a:r>
-            <a:r>
-              <a:rPr lang="en-US" sz="3600" dirty="0" err="1">
-                <a:latin typeface="Helvetica Neue"/>
-              </a:rPr>
-              <a:t>tham</a:t>
-            </a:r>
-            <a:r>
-              <a:rPr lang="en-US" sz="3600" dirty="0">
-                <a:latin typeface="Helvetica Neue"/>
-              </a:rPr>
-              <a:t> </a:t>
-            </a:r>
-            <a:r>
-              <a:rPr lang="en-US" sz="3600" dirty="0" err="1">
-                <a:latin typeface="Helvetica Neue"/>
-              </a:rPr>
-              <a:t>số</a:t>
-            </a:r>
-            <a:r>
-              <a:rPr lang="en-US" sz="3600" dirty="0">
-                <a:latin typeface="Helvetica Neue"/>
-              </a:rPr>
-              <a:t> alpha </a:t>
-            </a:r>
-            <a:r>
-              <a:rPr lang="en-US" sz="3600" dirty="0" err="1">
-                <a:latin typeface="Helvetica Neue"/>
-              </a:rPr>
-              <a:t>với</a:t>
-            </a:r>
-            <a:r>
-              <a:rPr lang="en-US" sz="3600" dirty="0">
-                <a:latin typeface="Helvetica Neue"/>
-              </a:rPr>
-              <a:t> ta </a:t>
-            </a:r>
-            <a:r>
-              <a:rPr lang="en-US" sz="3600" dirty="0" err="1">
-                <a:latin typeface="Helvetica Neue"/>
-              </a:rPr>
-              <a:t>thu</a:t>
-            </a:r>
-            <a:r>
-              <a:rPr lang="en-US" sz="3600" dirty="0">
-                <a:latin typeface="Helvetica Neue"/>
-              </a:rPr>
-              <a:t> </a:t>
-            </a:r>
-            <a:r>
-              <a:rPr lang="en-US" sz="3600" dirty="0" err="1">
-                <a:latin typeface="Helvetica Neue"/>
-              </a:rPr>
-              <a:t>được</a:t>
+              <a:t>Thay đổi siêu tham số alpha với ta thu </a:t>
+            </a:r>
+            <a:r>
+              <a:rPr lang="en-US" sz="3600" dirty="0" smtClean="0">
+                <a:latin typeface="Helvetica Neue"/>
+              </a:rPr>
+              <a:t>được:</a:t>
             </a:r>
             <a:endParaRPr lang="en-US" sz="3600" dirty="0">
               <a:latin typeface="Helvetica Neue"/>
@@ -9649,6 +9072,13 @@
   <p:clrMapOvr>
     <a:masterClrMapping/>
   </p:clrMapOvr>
+  <p:timing>
+    <p:tnLst>
+      <p:par>
+        <p:cTn id="1" dur="indefinite" restart="never" nodeType="tmRoot"/>
+      </p:par>
+    </p:tnLst>
+  </p:timing>
 </p:sld>
 </file>
 
@@ -10008,6 +9438,13 @@
   <p:clrMapOvr>
     <a:masterClrMapping/>
   </p:clrMapOvr>
+  <p:timing>
+    <p:tnLst>
+      <p:par>
+        <p:cTn id="1" dur="indefinite" restart="never" nodeType="tmRoot"/>
+      </p:par>
+    </p:tnLst>
+  </p:timing>
 </p:sld>
 </file>
 
@@ -10102,70 +9539,16 @@
           <a:lstStyle/>
           <a:p>
             <a:r>
-              <a:rPr lang="en-US" sz="3600" dirty="0" err="1">
-                <a:latin typeface="Helvetica Neue"/>
-              </a:rPr>
-              <a:t>Thay</a:t>
-            </a:r>
-            <a:r>
               <a:rPr lang="en-US" sz="3600" dirty="0">
                 <a:latin typeface="Helvetica Neue"/>
               </a:rPr>
-              <a:t> </a:t>
-            </a:r>
-            <a:r>
-              <a:rPr lang="en-US" sz="3600" dirty="0" err="1">
-                <a:latin typeface="Helvetica Neue"/>
-              </a:rPr>
-              <a:t>đổi</a:t>
-            </a:r>
-            <a:r>
-              <a:rPr lang="en-US" sz="3600" dirty="0">
-                <a:latin typeface="Helvetica Neue"/>
-              </a:rPr>
-              <a:t> </a:t>
-            </a:r>
-            <a:r>
-              <a:rPr lang="en-US" sz="3600" dirty="0" err="1">
-                <a:latin typeface="Helvetica Neue"/>
-              </a:rPr>
-              <a:t>siêu</a:t>
-            </a:r>
-            <a:r>
-              <a:rPr lang="en-US" sz="3600" dirty="0">
-                <a:latin typeface="Helvetica Neue"/>
-              </a:rPr>
-              <a:t> </a:t>
-            </a:r>
-            <a:r>
-              <a:rPr lang="en-US" sz="3600" dirty="0" err="1">
-                <a:latin typeface="Helvetica Neue"/>
-              </a:rPr>
-              <a:t>tham</a:t>
-            </a:r>
-            <a:r>
-              <a:rPr lang="en-US" sz="3600" dirty="0">
-                <a:latin typeface="Helvetica Neue"/>
-              </a:rPr>
-              <a:t> </a:t>
-            </a:r>
-            <a:r>
-              <a:rPr lang="en-US" sz="3600" dirty="0" err="1">
-                <a:latin typeface="Helvetica Neue"/>
-              </a:rPr>
-              <a:t>số</a:t>
-            </a:r>
-            <a:r>
-              <a:rPr lang="en-US" sz="3600" dirty="0">
-                <a:latin typeface="Helvetica Neue"/>
-              </a:rPr>
-              <a:t> K ta </a:t>
-            </a:r>
-            <a:r>
-              <a:rPr lang="en-US" sz="3600" dirty="0" err="1">
-                <a:latin typeface="Helvetica Neue"/>
-              </a:rPr>
-              <a:t>được</a:t>
+              <a:t>Thay đổi siêu tham số K ta </a:t>
+            </a:r>
+            <a:r>
+              <a:rPr lang="en-US" sz="3600" dirty="0" smtClean="0">
+                <a:latin typeface="Helvetica Neue"/>
+              </a:rPr>
+              <a:t>được:</a:t>
             </a:r>
             <a:endParaRPr lang="en-US" sz="3600" dirty="0">
               <a:latin typeface="Helvetica Neue"/>
@@ -10247,6 +9630,13 @@
   <p:clrMapOvr>
     <a:masterClrMapping/>
   </p:clrMapOvr>
+  <p:timing>
+    <p:tnLst>
+      <p:par>
+        <p:cTn id="1" dur="indefinite" restart="never" nodeType="tmRoot"/>
+      </p:par>
+    </p:tnLst>
+  </p:timing>
 </p:sld>
 </file>
 
@@ -10605,6 +9995,13 @@
   <p:clrMapOvr>
     <a:masterClrMapping/>
   </p:clrMapOvr>
+  <p:timing>
+    <p:tnLst>
+      <p:par>
+        <p:cTn id="1" dur="indefinite" restart="never" nodeType="tmRoot"/>
+      </p:par>
+    </p:tnLst>
+  </p:timing>
 </p:sld>
 </file>
 
@@ -10954,6 +10351,13 @@
   <p:clrMapOvr>
     <a:masterClrMapping/>
   </p:clrMapOvr>
+  <p:timing>
+    <p:tnLst>
+      <p:par>
+        <p:cTn id="1" dur="indefinite" restart="never" nodeType="tmRoot"/>
+      </p:par>
+    </p:tnLst>
+  </p:timing>
 </p:sld>
 </file>
 
@@ -11069,6 +10473,7 @@
           <a:bodyPr/>
           <a:lstStyle/>
           <a:p>
+            <a:pPr algn="just"/>
             <a:r>
               <a:rPr lang="en-US" dirty="0">
                 <a:solidFill>
@@ -11109,6 +10514,7 @@
             </a:endParaRPr>
           </a:p>
           <a:p>
+            <a:pPr algn="just"/>
             <a:r>
               <a:rPr lang="en-US" dirty="0">
                 <a:solidFill>
@@ -11162,7 +10568,27 @@
                 <a:effectLst/>
                 <a:latin typeface="Helvetica Neue"/>
               </a:rPr>
-              <a:t>quyết định thu thập dữ liệu về chất lượng không khí ở các thành phố lớn, cụ thể là thành phố Hồ Chí Minh, để có những cái nhìn về chất lượng không khí nơi đó cũng như tại các thành phố lớn trên thế giới</a:t>
+              <a:t>quyết định thu thập dữ liệu về chất lượng không khí ở các thành phố lớn, cụ thể là thành phố Hồ Chí Minh, để có những cái nhìn về chất lượng không khí nơi đó cũng như tại các thành phố lớn trên thế </a:t>
+            </a:r>
+            <a:r>
+              <a:rPr lang="vi-VN" b="0" i="0" dirty="0" smtClean="0">
+                <a:solidFill>
+                  <a:srgbClr val="000000"/>
+                </a:solidFill>
+                <a:effectLst/>
+                <a:latin typeface="Helvetica Neue"/>
+              </a:rPr>
+              <a:t>giới</a:t>
+            </a:r>
+            <a:r>
+              <a:rPr lang="en-US" b="0" i="0" dirty="0" smtClean="0">
+                <a:solidFill>
+                  <a:srgbClr val="000000"/>
+                </a:solidFill>
+                <a:effectLst/>
+                <a:latin typeface="Helvetica Neue"/>
+              </a:rPr>
+              <a:t>.</a:t>
             </a:r>
             <a:endParaRPr lang="en-US" dirty="0"/>
           </a:p>
@@ -11178,6 +10604,13 @@
   <p:clrMapOvr>
     <a:masterClrMapping/>
   </p:clrMapOvr>
+  <p:timing>
+    <p:tnLst>
+      <p:par>
+        <p:cTn id="1" dur="indefinite" restart="never" nodeType="tmRoot"/>
+      </p:par>
+    </p:tnLst>
+  </p:timing>
 </p:sld>
 </file>
 
@@ -11379,6 +10812,7 @@
             </a:endParaRPr>
           </a:p>
           <a:p>
+            <a:pPr algn="just"/>
             <a:r>
               <a:rPr lang="en-US" sz="2400" dirty="0" err="1">
                 <a:latin typeface="Helvetica Neue"/>
@@ -11653,121 +11087,13 @@
               <a:rPr lang="en-US" sz="2400" dirty="0">
                 <a:latin typeface="Helvetica Neue"/>
               </a:rPr>
-              <a:t> train. Do </a:t>
-            </a:r>
-            <a:r>
-              <a:rPr lang="en-US" sz="2400" dirty="0" err="1">
-                <a:latin typeface="Helvetica Neue"/>
-              </a:rPr>
-              <a:t>đó</a:t>
-            </a:r>
-            <a:r>
-              <a:rPr lang="en-US" sz="2400" dirty="0">
-                <a:latin typeface="Helvetica Neue"/>
-              </a:rPr>
-              <a:t>, </a:t>
-            </a:r>
-            <a:r>
-              <a:rPr lang="en-US" sz="2400" dirty="0" err="1">
-                <a:latin typeface="Helvetica Neue"/>
-              </a:rPr>
-              <a:t>mô</a:t>
-            </a:r>
-            <a:r>
-              <a:rPr lang="en-US" sz="2400" dirty="0">
-                <a:latin typeface="Helvetica Neue"/>
-              </a:rPr>
-              <a:t> </a:t>
-            </a:r>
-            <a:r>
-              <a:rPr lang="en-US" sz="2400" dirty="0" err="1">
-                <a:latin typeface="Helvetica Neue"/>
-              </a:rPr>
-              <a:t>hình</a:t>
-            </a:r>
-            <a:r>
-              <a:rPr lang="en-US" sz="2400" dirty="0">
-                <a:latin typeface="Helvetica Neue"/>
-              </a:rPr>
-              <a:t> </a:t>
-            </a:r>
-            <a:r>
-              <a:rPr lang="en-US" sz="2400" dirty="0" err="1">
-                <a:latin typeface="Helvetica Neue"/>
-              </a:rPr>
-              <a:t>sẽ</a:t>
-            </a:r>
-            <a:r>
-              <a:rPr lang="en-US" sz="2400" dirty="0">
-                <a:latin typeface="Helvetica Neue"/>
-              </a:rPr>
-              <a:t> </a:t>
-            </a:r>
-            <a:r>
-              <a:rPr lang="en-US" sz="2400" dirty="0" err="1">
-                <a:latin typeface="Helvetica Neue"/>
-              </a:rPr>
-              <a:t>rất</a:t>
-            </a:r>
-            <a:r>
-              <a:rPr lang="en-US" sz="2400" dirty="0">
-                <a:latin typeface="Helvetica Neue"/>
-              </a:rPr>
-              <a:t> </a:t>
-            </a:r>
-            <a:r>
-              <a:rPr lang="en-US" sz="2400" dirty="0" err="1">
-                <a:latin typeface="Helvetica Neue"/>
-              </a:rPr>
-              <a:t>sát</a:t>
-            </a:r>
-            <a:r>
-              <a:rPr lang="en-US" sz="2400" dirty="0">
-                <a:latin typeface="Helvetica Neue"/>
-              </a:rPr>
-              <a:t> </a:t>
-            </a:r>
-            <a:r>
-              <a:rPr lang="en-US" sz="2400" dirty="0" err="1">
-                <a:latin typeface="Helvetica Neue"/>
-              </a:rPr>
-              <a:t>với</a:t>
-            </a:r>
-            <a:r>
-              <a:rPr lang="en-US" sz="2400" dirty="0">
-                <a:latin typeface="Helvetica Neue"/>
-              </a:rPr>
-              <a:t> </a:t>
-            </a:r>
-            <a:r>
-              <a:rPr lang="en-US" sz="2400" dirty="0" err="1">
-                <a:latin typeface="Helvetica Neue"/>
-              </a:rPr>
-              <a:t>hàm</a:t>
-            </a:r>
-            <a:r>
-              <a:rPr lang="en-US" sz="2400" dirty="0">
-                <a:latin typeface="Helvetica Neue"/>
-              </a:rPr>
-              <a:t> </a:t>
-            </a:r>
-            <a:r>
-              <a:rPr lang="en-US" sz="2400" dirty="0" err="1">
-                <a:latin typeface="Helvetica Neue"/>
-              </a:rPr>
-              <a:t>sinh</a:t>
-            </a:r>
-            <a:r>
-              <a:rPr lang="en-US" sz="2400" dirty="0">
-                <a:latin typeface="Helvetica Neue"/>
-              </a:rPr>
-              <a:t> ban </a:t>
-            </a:r>
-            <a:r>
-              <a:rPr lang="en-US" sz="2400" dirty="0" err="1">
-                <a:latin typeface="Helvetica Neue"/>
-              </a:rPr>
-              <a:t>đầu</a:t>
+              <a:t> train. Do đó, mô hình sẽ rất sát với hàm sinh ban </a:t>
+            </a:r>
+            <a:r>
+              <a:rPr lang="en-US" sz="2400" dirty="0" smtClean="0">
+                <a:latin typeface="Helvetica Neue"/>
+              </a:rPr>
+              <a:t>đầu.</a:t>
             </a:r>
             <a:endParaRPr lang="en-US" sz="2400" dirty="0">
               <a:latin typeface="Helvetica Neue"/>
@@ -11780,118 +11106,16 @@
           </a:p>
           <a:p>
             <a:r>
-              <a:rPr lang="en-US" sz="2400" dirty="0" err="1">
-                <a:latin typeface="Helvetica Neue"/>
-              </a:rPr>
-              <a:t>Dẫn</a:t>
-            </a:r>
-            <a:r>
               <a:rPr lang="en-US" sz="2400" dirty="0">
                 <a:latin typeface="Helvetica Neue"/>
               </a:rPr>
-              <a:t> </a:t>
-            </a:r>
-            <a:r>
-              <a:rPr lang="en-US" sz="2400" dirty="0" err="1">
-                <a:latin typeface="Helvetica Neue"/>
-              </a:rPr>
-              <a:t>đến</a:t>
-            </a:r>
-            <a:r>
-              <a:rPr lang="en-US" sz="2400" dirty="0">
-                <a:latin typeface="Helvetica Neue"/>
-              </a:rPr>
-              <a:t> </a:t>
-            </a:r>
-            <a:r>
-              <a:rPr lang="en-US" sz="2400" dirty="0" err="1">
-                <a:latin typeface="Helvetica Neue"/>
-              </a:rPr>
-              <a:t>độ</a:t>
-            </a:r>
-            <a:r>
-              <a:rPr lang="en-US" sz="2400" dirty="0">
-                <a:latin typeface="Helvetica Neue"/>
-              </a:rPr>
-              <a:t> </a:t>
-            </a:r>
-            <a:r>
-              <a:rPr lang="en-US" sz="2400" dirty="0" err="1">
-                <a:latin typeface="Helvetica Neue"/>
-              </a:rPr>
-              <a:t>chính</a:t>
-            </a:r>
-            <a:r>
-              <a:rPr lang="en-US" sz="2400" dirty="0">
-                <a:latin typeface="Helvetica Neue"/>
-              </a:rPr>
-              <a:t> </a:t>
-            </a:r>
-            <a:r>
-              <a:rPr lang="en-US" sz="2400" dirty="0" err="1">
-                <a:latin typeface="Helvetica Neue"/>
-              </a:rPr>
-              <a:t>xác</a:t>
-            </a:r>
-            <a:r>
-              <a:rPr lang="en-US" sz="2400" dirty="0">
-                <a:latin typeface="Helvetica Neue"/>
-              </a:rPr>
-              <a:t> </a:t>
-            </a:r>
-            <a:r>
-              <a:rPr lang="en-US" sz="2400" dirty="0" err="1">
-                <a:latin typeface="Helvetica Neue"/>
-              </a:rPr>
-              <a:t>trên</a:t>
-            </a:r>
-            <a:r>
-              <a:rPr lang="en-US" sz="2400" dirty="0">
-                <a:latin typeface="Helvetica Neue"/>
-              </a:rPr>
-              <a:t> </a:t>
-            </a:r>
-            <a:r>
-              <a:rPr lang="en-US" sz="2400" dirty="0" err="1">
-                <a:latin typeface="Helvetica Neue"/>
-              </a:rPr>
-              <a:t>tập</a:t>
-            </a:r>
-            <a:r>
-              <a:rPr lang="en-US" sz="2400" dirty="0">
-                <a:latin typeface="Helvetica Neue"/>
-              </a:rPr>
-              <a:t> validation, </a:t>
-            </a:r>
-            <a:r>
-              <a:rPr lang="en-US" sz="2400" dirty="0" err="1">
-                <a:latin typeface="Helvetica Neue"/>
-              </a:rPr>
-              <a:t>tập</a:t>
-            </a:r>
-            <a:r>
-              <a:rPr lang="en-US" sz="2400" dirty="0">
-                <a:latin typeface="Helvetica Neue"/>
-              </a:rPr>
-              <a:t> test </a:t>
-            </a:r>
-            <a:r>
-              <a:rPr lang="en-US" sz="2400" dirty="0" err="1">
-                <a:latin typeface="Helvetica Neue"/>
-              </a:rPr>
-              <a:t>sẽ</a:t>
-            </a:r>
-            <a:r>
-              <a:rPr lang="en-US" sz="2400" dirty="0">
-                <a:latin typeface="Helvetica Neue"/>
-              </a:rPr>
-              <a:t> </a:t>
-            </a:r>
-            <a:r>
-              <a:rPr lang="en-US" sz="2400" dirty="0" err="1">
-                <a:latin typeface="Helvetica Neue"/>
-              </a:rPr>
-              <a:t>cao</a:t>
+              <a:t>Dẫn đến độ chính xác trên tập validation, tập test sẽ </a:t>
+            </a:r>
+            <a:r>
+              <a:rPr lang="en-US" sz="2400" dirty="0" smtClean="0">
+                <a:latin typeface="Helvetica Neue"/>
+              </a:rPr>
+              <a:t>cao.</a:t>
             </a:r>
             <a:endParaRPr lang="en-US" sz="2400" dirty="0">
               <a:latin typeface="Helvetica Neue"/>
@@ -11912,6 +11136,13 @@
   <p:clrMapOvr>
     <a:masterClrMapping/>
   </p:clrMapOvr>
+  <p:timing>
+    <p:tnLst>
+      <p:par>
+        <p:cTn id="1" dur="indefinite" restart="never" nodeType="tmRoot"/>
+      </p:par>
+    </p:tnLst>
+  </p:timing>
 </p:sld>
 </file>
 
@@ -12073,94 +11304,24 @@
           </a:p>
           <a:p>
             <a:r>
-              <a:rPr lang="en-US" b="1" i="0" dirty="0" err="1">
+              <a:rPr lang="en-US" b="1" i="0" dirty="0">
                 <a:solidFill>
                   <a:srgbClr val="000000"/>
                 </a:solidFill>
                 <a:effectLst/>
                 <a:latin typeface="Helvetica Neue"/>
               </a:rPr>
-              <a:t>Những</a:t>
-            </a:r>
-            <a:r>
-              <a:rPr lang="en-US" b="1" i="0" dirty="0">
+              <a:t>Những khó khăn gặp </a:t>
+            </a:r>
+            <a:r>
+              <a:rPr lang="en-US" b="1" i="0" dirty="0" smtClean="0">
                 <a:solidFill>
                   <a:srgbClr val="000000"/>
                 </a:solidFill>
                 <a:effectLst/>
                 <a:latin typeface="Helvetica Neue"/>
               </a:rPr>
-              <a:t> </a:t>
-            </a:r>
-            <a:r>
-              <a:rPr lang="en-US" b="1" i="0" dirty="0" err="1">
-                <a:solidFill>
-                  <a:srgbClr val="000000"/>
-                </a:solidFill>
-                <a:effectLst/>
-                <a:latin typeface="Helvetica Neue"/>
-              </a:rPr>
-              <a:t>khó</a:t>
-            </a:r>
-            <a:r>
-              <a:rPr lang="en-US" b="1" i="0" dirty="0">
-                <a:solidFill>
-                  <a:srgbClr val="000000"/>
-                </a:solidFill>
-                <a:effectLst/>
-                <a:latin typeface="Helvetica Neue"/>
-              </a:rPr>
-              <a:t> </a:t>
-            </a:r>
-            <a:r>
-              <a:rPr lang="en-US" b="1" i="0" dirty="0" err="1">
-                <a:solidFill>
-                  <a:srgbClr val="000000"/>
-                </a:solidFill>
-                <a:effectLst/>
-                <a:latin typeface="Helvetica Neue"/>
-              </a:rPr>
-              <a:t>khăn</a:t>
-            </a:r>
-            <a:r>
-              <a:rPr lang="en-US" b="1" i="0" dirty="0">
-                <a:solidFill>
-                  <a:srgbClr val="000000"/>
-                </a:solidFill>
-                <a:effectLst/>
-                <a:latin typeface="Helvetica Neue"/>
-              </a:rPr>
-              <a:t> </a:t>
-            </a:r>
-            <a:r>
-              <a:rPr lang="en-US" b="1" i="0" dirty="0" err="1">
-                <a:solidFill>
-                  <a:srgbClr val="000000"/>
-                </a:solidFill>
-                <a:effectLst/>
-                <a:latin typeface="Helvetica Neue"/>
-              </a:rPr>
-              <a:t>gặp</a:t>
-            </a:r>
-            <a:r>
-              <a:rPr lang="en-US" b="1" i="0" dirty="0">
-                <a:solidFill>
-                  <a:srgbClr val="000000"/>
-                </a:solidFill>
-                <a:effectLst/>
-                <a:latin typeface="Helvetica Neue"/>
-              </a:rPr>
-              <a:t> </a:t>
-            </a:r>
-            <a:r>
-              <a:rPr lang="en-US" b="1" i="0" dirty="0" err="1">
-                <a:solidFill>
-                  <a:srgbClr val="000000"/>
-                </a:solidFill>
-                <a:effectLst/>
-                <a:latin typeface="Helvetica Neue"/>
-              </a:rPr>
-              <a:t>phải</a:t>
+              <a:t>phải.</a:t>
             </a:r>
             <a:endParaRPr lang="en-US" b="1" i="0" dirty="0">
               <a:solidFill>
@@ -12191,8 +11352,35 @@
                 <a:effectLst/>
                 <a:latin typeface="Helvetica Neue"/>
               </a:rPr>
-              <a:t>Những điều hữu ích học được</a:t>
-            </a:r>
+              <a:t>Những điều hữu ích học </a:t>
+            </a:r>
+            <a:r>
+              <a:rPr lang="vi-VN" b="1" i="0" dirty="0" smtClean="0">
+                <a:solidFill>
+                  <a:srgbClr val="000000"/>
+                </a:solidFill>
+                <a:effectLst/>
+                <a:latin typeface="Helvetica Neue"/>
+              </a:rPr>
+              <a:t>được</a:t>
+            </a:r>
+            <a:r>
+              <a:rPr lang="en-US" b="1" i="0" dirty="0" smtClean="0">
+                <a:solidFill>
+                  <a:srgbClr val="000000"/>
+                </a:solidFill>
+                <a:effectLst/>
+                <a:latin typeface="Helvetica Neue"/>
+              </a:rPr>
+              <a:t>.</a:t>
+            </a:r>
+            <a:endParaRPr lang="vi-VN" b="1" i="0" dirty="0">
+              <a:solidFill>
+                <a:srgbClr val="000000"/>
+              </a:solidFill>
+              <a:effectLst/>
+              <a:latin typeface="Helvetica Neue"/>
+            </a:endParaRPr>
           </a:p>
           <a:p>
             <a:endParaRPr lang="en-US" dirty="0"/>
@@ -12209,6 +11397,13 @@
   <p:clrMapOvr>
     <a:masterClrMapping/>
   </p:clrMapOvr>
+  <p:timing>
+    <p:tnLst>
+      <p:par>
+        <p:cTn id="1" dur="indefinite" restart="never" nodeType="tmRoot"/>
+      </p:par>
+    </p:tnLst>
+  </p:timing>
 </p:sld>
 </file>
 
@@ -12336,111 +11531,21 @@
         <p:spPr/>
         <p:txBody>
           <a:bodyPr>
-            <a:normAutofit fontScale="92500" lnSpcReduction="10000"/>
+            <a:normAutofit/>
           </a:bodyPr>
           <a:lstStyle/>
           <a:p>
             <a:r>
-              <a:rPr lang="en-US" dirty="0" err="1">
-                <a:latin typeface="Helvetica Neue"/>
-              </a:rPr>
-              <a:t>Khó</a:t>
-            </a:r>
-            <a:r>
               <a:rPr lang="en-US" dirty="0">
                 <a:latin typeface="Helvetica Neue"/>
               </a:rPr>
-              <a:t> </a:t>
-            </a:r>
-            <a:r>
-              <a:rPr lang="en-US" dirty="0" err="1">
-                <a:latin typeface="Helvetica Neue"/>
-              </a:rPr>
-              <a:t>khăn</a:t>
-            </a:r>
-            <a:r>
-              <a:rPr lang="en-US" dirty="0">
-                <a:latin typeface="Helvetica Neue"/>
-              </a:rPr>
-              <a:t> </a:t>
-            </a:r>
-            <a:r>
-              <a:rPr lang="en-US" dirty="0" err="1">
-                <a:latin typeface="Helvetica Neue"/>
-              </a:rPr>
-              <a:t>trong</a:t>
-            </a:r>
-            <a:r>
-              <a:rPr lang="en-US" dirty="0">
-                <a:latin typeface="Helvetica Neue"/>
-              </a:rPr>
-              <a:t> </a:t>
-            </a:r>
-            <a:r>
-              <a:rPr lang="en-US" dirty="0" err="1">
-                <a:latin typeface="Helvetica Neue"/>
-              </a:rPr>
-              <a:t>quá</a:t>
-            </a:r>
-            <a:r>
-              <a:rPr lang="en-US" dirty="0">
-                <a:latin typeface="Helvetica Neue"/>
-              </a:rPr>
-              <a:t> </a:t>
-            </a:r>
-            <a:r>
-              <a:rPr lang="en-US" dirty="0" err="1">
-                <a:latin typeface="Helvetica Neue"/>
-              </a:rPr>
-              <a:t>trình</a:t>
-            </a:r>
-            <a:r>
-              <a:rPr lang="en-US" dirty="0">
-                <a:latin typeface="Helvetica Neue"/>
-              </a:rPr>
-              <a:t> </a:t>
-            </a:r>
-            <a:r>
-              <a:rPr lang="en-US" dirty="0" err="1">
-                <a:latin typeface="Helvetica Neue"/>
-              </a:rPr>
-              <a:t>thu</a:t>
-            </a:r>
-            <a:r>
-              <a:rPr lang="en-US" dirty="0">
-                <a:latin typeface="Helvetica Neue"/>
-              </a:rPr>
-              <a:t> </a:t>
-            </a:r>
-            <a:r>
-              <a:rPr lang="en-US" dirty="0" err="1">
-                <a:latin typeface="Helvetica Neue"/>
-              </a:rPr>
-              <a:t>thập</a:t>
-            </a:r>
-            <a:r>
-              <a:rPr lang="en-US" dirty="0">
-                <a:latin typeface="Helvetica Neue"/>
-              </a:rPr>
-              <a:t> </a:t>
-            </a:r>
-            <a:r>
-              <a:rPr lang="en-US" dirty="0" err="1">
-                <a:latin typeface="Helvetica Neue"/>
-              </a:rPr>
-              <a:t>dữ</a:t>
-            </a:r>
-            <a:r>
-              <a:rPr lang="en-US" dirty="0">
-                <a:latin typeface="Helvetica Neue"/>
-              </a:rPr>
-              <a:t> </a:t>
-            </a:r>
-            <a:r>
-              <a:rPr lang="en-US" dirty="0" err="1">
-                <a:latin typeface="Helvetica Neue"/>
-              </a:rPr>
-              <a:t>liệu</a:t>
+              <a:t>Khó khăn trong quá trình thu thập dữ </a:t>
+            </a:r>
+            <a:r>
+              <a:rPr lang="en-US" dirty="0" smtClean="0">
+                <a:latin typeface="Helvetica Neue"/>
+              </a:rPr>
+              <a:t>liệu:</a:t>
             </a:r>
             <a:endParaRPr lang="en-US" dirty="0">
               <a:latin typeface="Helvetica Neue"/>
@@ -12449,225 +11554,108 @@
           <a:p>
             <a:pPr lvl="1"/>
             <a:r>
-              <a:rPr lang="en-US" dirty="0" err="1">
-                <a:latin typeface="Helvetica Neue"/>
-              </a:rPr>
-              <a:t>Các</a:t>
-            </a:r>
-            <a:r>
               <a:rPr lang="en-US" dirty="0">
-                <a:latin typeface="Helvetica Neue"/>
-              </a:rPr>
-              <a:t> </a:t>
-            </a:r>
-            <a:r>
-              <a:rPr lang="en-US" dirty="0" err="1">
-                <a:latin typeface="Helvetica Neue"/>
-              </a:rPr>
-              <a:t>trang</a:t>
-            </a:r>
-            <a:r>
-              <a:rPr lang="en-US" dirty="0">
-                <a:latin typeface="Helvetica Neue"/>
-              </a:rPr>
-              <a:t> </a:t>
-            </a:r>
-            <a:r>
-              <a:rPr lang="en-US" dirty="0" err="1">
-                <a:latin typeface="Helvetica Neue"/>
-              </a:rPr>
-              <a:t>giới</a:t>
-            </a:r>
-            <a:r>
-              <a:rPr lang="en-US" dirty="0">
-                <a:latin typeface="Helvetica Neue"/>
-              </a:rPr>
-              <a:t> </a:t>
-            </a:r>
-            <a:r>
-              <a:rPr lang="en-US" dirty="0" err="1">
-                <a:latin typeface="Helvetica Neue"/>
-              </a:rPr>
-              <a:t>hạn</a:t>
-            </a:r>
-            <a:r>
-              <a:rPr lang="en-US" dirty="0">
-                <a:latin typeface="Helvetica Neue"/>
-              </a:rPr>
-              <a:t> </a:t>
-            </a:r>
-            <a:r>
-              <a:rPr lang="en-US" dirty="0" err="1">
-                <a:latin typeface="Helvetica Neue"/>
-              </a:rPr>
-              <a:t>số</a:t>
-            </a:r>
-            <a:r>
-              <a:rPr lang="en-US" dirty="0">
-                <a:latin typeface="Helvetica Neue"/>
-              </a:rPr>
-              <a:t> request</a:t>
-            </a:r>
-          </a:p>
-          <a:p>
-            <a:pPr lvl="1"/>
-            <a:r>
-              <a:rPr lang="en-US" dirty="0">
-                <a:latin typeface="Helvetica Neue"/>
-              </a:rPr>
-              <a:t>API </a:t>
-            </a:r>
-            <a:r>
-              <a:rPr lang="en-US" dirty="0" err="1">
-                <a:latin typeface="Helvetica Neue"/>
-              </a:rPr>
-              <a:t>tính</a:t>
-            </a:r>
-            <a:r>
-              <a:rPr lang="en-US" dirty="0">
-                <a:latin typeface="Helvetica Neue"/>
-              </a:rPr>
-              <a:t> </a:t>
-            </a:r>
-            <a:r>
-              <a:rPr lang="en-US" dirty="0" err="1">
-                <a:latin typeface="Helvetica Neue"/>
-              </a:rPr>
-              <a:t>phí</a:t>
+                <a:solidFill>
+                  <a:schemeClr val="tx1"/>
+                </a:solidFill>
+                <a:latin typeface="Helvetica Neue"/>
+              </a:rPr>
+              <a:t>Các trang giới hạn số </a:t>
+            </a:r>
+            <a:r>
+              <a:rPr lang="en-US" dirty="0" smtClean="0">
+                <a:solidFill>
+                  <a:schemeClr val="tx1"/>
+                </a:solidFill>
+                <a:latin typeface="Helvetica Neue"/>
+              </a:rPr>
+              <a:t>request.</a:t>
             </a:r>
             <a:endParaRPr lang="en-US" dirty="0">
+              <a:solidFill>
+                <a:schemeClr val="tx1"/>
+              </a:solidFill>
               <a:latin typeface="Helvetica Neue"/>
             </a:endParaRPr>
           </a:p>
           <a:p>
             <a:pPr lvl="1"/>
             <a:r>
-              <a:rPr lang="en-US" dirty="0" err="1">
-                <a:latin typeface="Helvetica Neue"/>
-              </a:rPr>
-              <a:t>Dữ</a:t>
-            </a:r>
-            <a:r>
               <a:rPr lang="en-US" dirty="0">
-                <a:latin typeface="Helvetica Neue"/>
-              </a:rPr>
-              <a:t> </a:t>
-            </a:r>
-            <a:r>
-              <a:rPr lang="en-US" dirty="0" err="1">
-                <a:latin typeface="Helvetica Neue"/>
-              </a:rPr>
-              <a:t>liệu</a:t>
-            </a:r>
-            <a:r>
-              <a:rPr lang="en-US" dirty="0">
-                <a:latin typeface="Helvetica Neue"/>
-              </a:rPr>
-              <a:t> </a:t>
-            </a:r>
-            <a:r>
-              <a:rPr lang="en-US" dirty="0" err="1">
-                <a:latin typeface="Helvetica Neue"/>
-              </a:rPr>
-              <a:t>không</a:t>
-            </a:r>
-            <a:r>
-              <a:rPr lang="en-US" dirty="0">
-                <a:latin typeface="Helvetica Neue"/>
-              </a:rPr>
-              <a:t> </a:t>
-            </a:r>
-            <a:r>
-              <a:rPr lang="en-US" dirty="0" err="1">
-                <a:latin typeface="Helvetica Neue"/>
-              </a:rPr>
-              <a:t>đầy</a:t>
-            </a:r>
-            <a:r>
-              <a:rPr lang="en-US" dirty="0">
-                <a:latin typeface="Helvetica Neue"/>
-              </a:rPr>
-              <a:t> </a:t>
-            </a:r>
-            <a:r>
-              <a:rPr lang="en-US" dirty="0" err="1">
-                <a:latin typeface="Helvetica Neue"/>
-              </a:rPr>
-              <a:t>đủ</a:t>
+                <a:solidFill>
+                  <a:schemeClr val="tx1"/>
+                </a:solidFill>
+                <a:latin typeface="Helvetica Neue"/>
+              </a:rPr>
+              <a:t>API tính </a:t>
+            </a:r>
+            <a:r>
+              <a:rPr lang="en-US" dirty="0" smtClean="0">
+                <a:solidFill>
+                  <a:schemeClr val="tx1"/>
+                </a:solidFill>
+                <a:latin typeface="Helvetica Neue"/>
+              </a:rPr>
+              <a:t>phí.</a:t>
             </a:r>
             <a:endParaRPr lang="en-US" dirty="0">
+              <a:solidFill>
+                <a:schemeClr val="tx1"/>
+              </a:solidFill>
               <a:latin typeface="Helvetica Neue"/>
             </a:endParaRPr>
           </a:p>
           <a:p>
             <a:pPr lvl="1"/>
             <a:r>
-              <a:rPr lang="en-US" dirty="0" err="1">
-                <a:latin typeface="Helvetica Neue"/>
-              </a:rPr>
-              <a:t>Kiểu</a:t>
-            </a:r>
-            <a:r>
               <a:rPr lang="en-US" dirty="0">
-                <a:latin typeface="Helvetica Neue"/>
-              </a:rPr>
-              <a:t> </a:t>
-            </a:r>
-            <a:r>
-              <a:rPr lang="en-US" dirty="0" err="1">
-                <a:latin typeface="Helvetica Neue"/>
-              </a:rPr>
-              <a:t>dữ</a:t>
-            </a:r>
+                <a:solidFill>
+                  <a:schemeClr val="tx1"/>
+                </a:solidFill>
+                <a:latin typeface="Helvetica Neue"/>
+              </a:rPr>
+              <a:t>Dữ liệu không đầy </a:t>
+            </a:r>
+            <a:r>
+              <a:rPr lang="en-US" dirty="0" smtClean="0">
+                <a:solidFill>
+                  <a:schemeClr val="tx1"/>
+                </a:solidFill>
+                <a:latin typeface="Helvetica Neue"/>
+              </a:rPr>
+              <a:t>đủ.</a:t>
+            </a:r>
+            <a:endParaRPr lang="en-US" dirty="0">
+              <a:solidFill>
+                <a:schemeClr val="tx1"/>
+              </a:solidFill>
+              <a:latin typeface="Helvetica Neue"/>
+            </a:endParaRPr>
+          </a:p>
+          <a:p>
+            <a:pPr lvl="1"/>
             <a:r>
               <a:rPr lang="en-US" dirty="0">
-                <a:latin typeface="Helvetica Neue"/>
-              </a:rPr>
-              <a:t> </a:t>
-            </a:r>
-            <a:r>
-              <a:rPr lang="en-US" dirty="0" err="1">
-                <a:latin typeface="Helvetica Neue"/>
-              </a:rPr>
-              <a:t>liệu</a:t>
-            </a:r>
-            <a:r>
-              <a:rPr lang="en-US" dirty="0">
-                <a:latin typeface="Helvetica Neue"/>
-              </a:rPr>
-              <a:t> </a:t>
-            </a:r>
-            <a:r>
-              <a:rPr lang="en-US" dirty="0" err="1">
-                <a:latin typeface="Helvetica Neue"/>
-              </a:rPr>
-              <a:t>không</a:t>
-            </a:r>
-            <a:r>
-              <a:rPr lang="en-US" dirty="0">
-                <a:latin typeface="Helvetica Neue"/>
-              </a:rPr>
-              <a:t> </a:t>
-            </a:r>
-            <a:r>
-              <a:rPr lang="en-US" dirty="0" err="1">
-                <a:latin typeface="Helvetica Neue"/>
-              </a:rPr>
-              <a:t>đồng</a:t>
-            </a:r>
-            <a:r>
-              <a:rPr lang="en-US" dirty="0">
-                <a:latin typeface="Helvetica Neue"/>
-              </a:rPr>
-              <a:t> </a:t>
-            </a:r>
-            <a:r>
-              <a:rPr lang="en-US" dirty="0" err="1">
-                <a:latin typeface="Helvetica Neue"/>
-              </a:rPr>
-              <a:t>nhất</a:t>
+                <a:solidFill>
+                  <a:schemeClr val="tx1"/>
+                </a:solidFill>
+                <a:latin typeface="Helvetica Neue"/>
+              </a:rPr>
+              <a:t>Kiểu dữ liệu không đồng </a:t>
+            </a:r>
+            <a:r>
+              <a:rPr lang="en-US" dirty="0" smtClean="0">
+                <a:solidFill>
+                  <a:schemeClr val="tx1"/>
+                </a:solidFill>
+                <a:latin typeface="Helvetica Neue"/>
+              </a:rPr>
+              <a:t>nhất.</a:t>
             </a:r>
             <a:endParaRPr lang="en-US" dirty="0">
+              <a:solidFill>
+                <a:schemeClr val="tx1"/>
+              </a:solidFill>
               <a:latin typeface="Helvetica Neue"/>
             </a:endParaRPr>
           </a:p>
@@ -12679,154 +11667,24 @@
           </a:p>
           <a:p>
             <a:r>
-              <a:rPr lang="en-US" b="0" i="0" dirty="0" err="1">
+              <a:rPr lang="en-US" b="0" i="0" dirty="0">
                 <a:solidFill>
                   <a:srgbClr val="000000"/>
                 </a:solidFill>
                 <a:effectLst/>
                 <a:latin typeface="Helvetica Neue"/>
               </a:rPr>
-              <a:t>Khó</a:t>
-            </a:r>
-            <a:r>
-              <a:rPr lang="en-US" b="0" i="0" dirty="0">
+              <a:t>Khó khăn trong việc lựa chọn mô </a:t>
+            </a:r>
+            <a:r>
+              <a:rPr lang="en-US" b="0" i="0" dirty="0" smtClean="0">
                 <a:solidFill>
                   <a:srgbClr val="000000"/>
                 </a:solidFill>
                 <a:effectLst/>
                 <a:latin typeface="Helvetica Neue"/>
               </a:rPr>
-              <a:t> </a:t>
-            </a:r>
-            <a:r>
-              <a:rPr lang="en-US" b="0" i="0" dirty="0" err="1">
-                <a:solidFill>
-                  <a:srgbClr val="000000"/>
-                </a:solidFill>
-                <a:effectLst/>
-                <a:latin typeface="Helvetica Neue"/>
-              </a:rPr>
-              <a:t>khăn</a:t>
-            </a:r>
-            <a:r>
-              <a:rPr lang="en-US" b="0" i="0" dirty="0">
-                <a:solidFill>
-                  <a:srgbClr val="000000"/>
-                </a:solidFill>
-                <a:effectLst/>
-                <a:latin typeface="Helvetica Neue"/>
-              </a:rPr>
-              <a:t> </a:t>
-            </a:r>
-            <a:r>
-              <a:rPr lang="en-US" b="0" i="0" dirty="0" err="1">
-                <a:solidFill>
-                  <a:srgbClr val="000000"/>
-                </a:solidFill>
-                <a:effectLst/>
-                <a:latin typeface="Helvetica Neue"/>
-              </a:rPr>
-              <a:t>trong</a:t>
-            </a:r>
-            <a:r>
-              <a:rPr lang="en-US" b="0" i="0" dirty="0">
-                <a:solidFill>
-                  <a:srgbClr val="000000"/>
-                </a:solidFill>
-                <a:effectLst/>
-                <a:latin typeface="Helvetica Neue"/>
-              </a:rPr>
-              <a:t> </a:t>
-            </a:r>
-            <a:r>
-              <a:rPr lang="en-US" b="0" i="0" dirty="0" err="1">
-                <a:solidFill>
-                  <a:srgbClr val="000000"/>
-                </a:solidFill>
-                <a:effectLst/>
-                <a:latin typeface="Helvetica Neue"/>
-              </a:rPr>
-              <a:t>việc</a:t>
-            </a:r>
-            <a:r>
-              <a:rPr lang="en-US" b="0" i="0" dirty="0">
-                <a:solidFill>
-                  <a:srgbClr val="000000"/>
-                </a:solidFill>
-                <a:effectLst/>
-                <a:latin typeface="Helvetica Neue"/>
-              </a:rPr>
-              <a:t> </a:t>
-            </a:r>
-            <a:r>
-              <a:rPr lang="en-US" b="0" i="0" dirty="0" err="1">
-                <a:solidFill>
-                  <a:srgbClr val="000000"/>
-                </a:solidFill>
-                <a:effectLst/>
-                <a:latin typeface="Helvetica Neue"/>
-              </a:rPr>
-              <a:t>lựa</a:t>
-            </a:r>
-            <a:r>
-              <a:rPr lang="en-US" b="0" i="0" dirty="0">
-                <a:solidFill>
-                  <a:srgbClr val="000000"/>
-                </a:solidFill>
-                <a:effectLst/>
-                <a:latin typeface="Helvetica Neue"/>
-              </a:rPr>
-              <a:t> </a:t>
-            </a:r>
-            <a:r>
-              <a:rPr lang="en-US" b="0" i="0" dirty="0" err="1">
-                <a:solidFill>
-                  <a:srgbClr val="000000"/>
-                </a:solidFill>
-                <a:effectLst/>
-                <a:latin typeface="Helvetica Neue"/>
-              </a:rPr>
-              <a:t>chọn</a:t>
-            </a:r>
-            <a:r>
-              <a:rPr lang="en-US" b="0" i="0" dirty="0">
-                <a:solidFill>
-                  <a:srgbClr val="000000"/>
-                </a:solidFill>
-                <a:effectLst/>
-                <a:latin typeface="Helvetica Neue"/>
-              </a:rPr>
-              <a:t> </a:t>
-            </a:r>
-            <a:r>
-              <a:rPr lang="en-US" b="0" i="0" dirty="0" err="1">
-                <a:solidFill>
-                  <a:srgbClr val="000000"/>
-                </a:solidFill>
-                <a:effectLst/>
-                <a:latin typeface="Helvetica Neue"/>
-              </a:rPr>
-              <a:t>mô</a:t>
-            </a:r>
-            <a:r>
-              <a:rPr lang="en-US" b="0" i="0" dirty="0">
-                <a:solidFill>
-                  <a:srgbClr val="000000"/>
-                </a:solidFill>
-                <a:effectLst/>
-                <a:latin typeface="Helvetica Neue"/>
-              </a:rPr>
-              <a:t> </a:t>
-            </a:r>
-            <a:r>
-              <a:rPr lang="en-US" b="0" i="0" dirty="0" err="1">
-                <a:solidFill>
-                  <a:srgbClr val="000000"/>
-                </a:solidFill>
-                <a:effectLst/>
-                <a:latin typeface="Helvetica Neue"/>
-              </a:rPr>
-              <a:t>hình</a:t>
+              <a:t>hình:</a:t>
             </a:r>
             <a:endParaRPr lang="en-US" b="0" i="0" dirty="0">
               <a:solidFill>
@@ -13163,13 +12021,19 @@
               <a:t> </a:t>
             </a:r>
             <a:r>
-              <a:rPr lang="en-US" sz="2400" dirty="0" err="1">
+              <a:rPr lang="en-US" dirty="0" err="1">
+                <a:solidFill>
+                  <a:schemeClr val="tx1"/>
+                </a:solidFill>
                 <a:latin typeface="Helvetica Neue"/>
               </a:rPr>
               <a:t>DecisionTree</a:t>
             </a:r>
             <a:r>
               <a:rPr lang="en-US" dirty="0">
+                <a:solidFill>
+                  <a:schemeClr val="tx1"/>
+                </a:solidFill>
                 <a:latin typeface="Helvetica Neue"/>
               </a:rPr>
               <a:t>.</a:t>
@@ -13178,270 +12042,27 @@
           <a:p>
             <a:pPr lvl="1"/>
             <a:r>
-              <a:rPr lang="en-US" sz="2400" dirty="0">
-                <a:latin typeface="Helvetica Neue"/>
-              </a:rPr>
-              <a:t> </a:t>
-            </a:r>
-            <a:r>
               <a:rPr lang="en-US" dirty="0">
-                <a:latin typeface="Helvetica Neue"/>
-              </a:rPr>
-              <a:t>D</a:t>
-            </a:r>
-            <a:r>
-              <a:rPr lang="en-US" sz="2400" dirty="0">
-                <a:latin typeface="Helvetica Neue"/>
-              </a:rPr>
-              <a:t>o </a:t>
-            </a:r>
-            <a:r>
-              <a:rPr lang="en-US" sz="2400" dirty="0" err="1">
-                <a:latin typeface="Helvetica Neue"/>
-              </a:rPr>
-              <a:t>đó</a:t>
-            </a:r>
-            <a:r>
-              <a:rPr lang="en-US" sz="2400" dirty="0">
-                <a:latin typeface="Helvetica Neue"/>
-              </a:rPr>
-              <a:t> </a:t>
-            </a:r>
-            <a:r>
-              <a:rPr lang="en-US" sz="2400" dirty="0" err="1">
-                <a:latin typeface="Helvetica Neue"/>
-              </a:rPr>
-              <a:t>cần</a:t>
-            </a:r>
-            <a:r>
-              <a:rPr lang="en-US" sz="2400" dirty="0">
-                <a:latin typeface="Helvetica Neue"/>
-              </a:rPr>
-              <a:t> </a:t>
-            </a:r>
-            <a:r>
-              <a:rPr lang="en-US" sz="2400" dirty="0" err="1">
-                <a:latin typeface="Helvetica Neue"/>
-              </a:rPr>
-              <a:t>có</a:t>
-            </a:r>
-            <a:r>
-              <a:rPr lang="en-US" sz="2400" dirty="0">
-                <a:latin typeface="Helvetica Neue"/>
-              </a:rPr>
-              <a:t> </a:t>
-            </a:r>
-            <a:r>
-              <a:rPr lang="en-US" sz="2400" dirty="0" err="1">
-                <a:latin typeface="Helvetica Neue"/>
-              </a:rPr>
-              <a:t>kinh</a:t>
-            </a:r>
-            <a:r>
-              <a:rPr lang="en-US" sz="2400" dirty="0">
-                <a:latin typeface="Helvetica Neue"/>
-              </a:rPr>
-              <a:t> </a:t>
-            </a:r>
-            <a:r>
-              <a:rPr lang="en-US" sz="2400" dirty="0" err="1">
-                <a:latin typeface="Helvetica Neue"/>
-              </a:rPr>
-              <a:t>nghiệm</a:t>
-            </a:r>
-            <a:r>
-              <a:rPr lang="en-US" sz="2400" dirty="0">
-                <a:latin typeface="Helvetica Neue"/>
-              </a:rPr>
-              <a:t> </a:t>
-            </a:r>
-            <a:r>
-              <a:rPr lang="en-US" sz="2400" dirty="0" err="1">
-                <a:latin typeface="Helvetica Neue"/>
-              </a:rPr>
-              <a:t>trong</a:t>
-            </a:r>
-            <a:r>
-              <a:rPr lang="en-US" sz="2400" dirty="0">
-                <a:latin typeface="Helvetica Neue"/>
-              </a:rPr>
-              <a:t> </a:t>
-            </a:r>
-            <a:r>
-              <a:rPr lang="en-US" sz="2400" dirty="0" err="1">
-                <a:latin typeface="Helvetica Neue"/>
-              </a:rPr>
-              <a:t>việc</a:t>
-            </a:r>
-            <a:r>
-              <a:rPr lang="en-US" sz="2400" dirty="0">
-                <a:latin typeface="Helvetica Neue"/>
-              </a:rPr>
-              <a:t> </a:t>
-            </a:r>
-            <a:r>
-              <a:rPr lang="en-US" sz="2400" dirty="0" err="1">
-                <a:latin typeface="Helvetica Neue"/>
-              </a:rPr>
-              <a:t>lựa</a:t>
-            </a:r>
-            <a:r>
-              <a:rPr lang="en-US" sz="2400" dirty="0">
-                <a:latin typeface="Helvetica Neue"/>
-              </a:rPr>
-              <a:t> </a:t>
-            </a:r>
-            <a:r>
-              <a:rPr lang="en-US" sz="2400" dirty="0" err="1">
-                <a:latin typeface="Helvetica Neue"/>
-              </a:rPr>
-              <a:t>chọn</a:t>
-            </a:r>
-            <a:r>
-              <a:rPr lang="en-US" sz="2400" dirty="0">
-                <a:latin typeface="Helvetica Neue"/>
-              </a:rPr>
-              <a:t> </a:t>
-            </a:r>
-            <a:r>
-              <a:rPr lang="en-US" sz="2400" dirty="0" err="1">
-                <a:latin typeface="Helvetica Neue"/>
-              </a:rPr>
-              <a:t>mô</a:t>
-            </a:r>
-            <a:r>
-              <a:rPr lang="en-US" sz="2400" dirty="0">
-                <a:latin typeface="Helvetica Neue"/>
-              </a:rPr>
-              <a:t> </a:t>
-            </a:r>
-            <a:r>
-              <a:rPr lang="en-US" sz="2400" dirty="0" err="1">
-                <a:latin typeface="Helvetica Neue"/>
-              </a:rPr>
-              <a:t>hình</a:t>
-            </a:r>
-            <a:r>
-              <a:rPr lang="en-US" sz="2400" dirty="0">
-                <a:latin typeface="Helvetica Neue"/>
-              </a:rPr>
-              <a:t>, </a:t>
-            </a:r>
-            <a:r>
-              <a:rPr lang="en-US" sz="2400" dirty="0" err="1">
-                <a:latin typeface="Helvetica Neue"/>
-              </a:rPr>
-              <a:t>hoặc</a:t>
-            </a:r>
-            <a:r>
-              <a:rPr lang="en-US" sz="2400" dirty="0">
-                <a:latin typeface="Helvetica Neue"/>
-              </a:rPr>
-              <a:t> </a:t>
-            </a:r>
-            <a:r>
-              <a:rPr lang="en-US" sz="2400" dirty="0" err="1">
-                <a:latin typeface="Helvetica Neue"/>
-              </a:rPr>
-              <a:t>chạy</a:t>
-            </a:r>
-            <a:r>
-              <a:rPr lang="en-US" sz="2400" dirty="0">
-                <a:latin typeface="Helvetica Neue"/>
-              </a:rPr>
-              <a:t> </a:t>
-            </a:r>
-            <a:r>
-              <a:rPr lang="en-US" sz="2400" dirty="0" err="1">
-                <a:latin typeface="Helvetica Neue"/>
-              </a:rPr>
-              <a:t>thử</a:t>
-            </a:r>
-            <a:r>
-              <a:rPr lang="en-US" sz="2400" dirty="0">
-                <a:latin typeface="Helvetica Neue"/>
-              </a:rPr>
-              <a:t> </a:t>
-            </a:r>
-            <a:r>
-              <a:rPr lang="en-US" sz="2400" dirty="0" err="1">
-                <a:latin typeface="Helvetica Neue"/>
-              </a:rPr>
-              <a:t>nhiều</a:t>
-            </a:r>
-            <a:r>
-              <a:rPr lang="en-US" sz="2400" dirty="0">
-                <a:latin typeface="Helvetica Neue"/>
-              </a:rPr>
-              <a:t> </a:t>
-            </a:r>
-            <a:r>
-              <a:rPr lang="en-US" sz="2400" dirty="0" err="1">
-                <a:latin typeface="Helvetica Neue"/>
-              </a:rPr>
-              <a:t>mô</a:t>
-            </a:r>
-            <a:r>
-              <a:rPr lang="en-US" sz="2400" dirty="0">
-                <a:latin typeface="Helvetica Neue"/>
-              </a:rPr>
-              <a:t> </a:t>
-            </a:r>
-            <a:r>
-              <a:rPr lang="en-US" sz="2400" dirty="0" err="1">
-                <a:latin typeface="Helvetica Neue"/>
-              </a:rPr>
-              <a:t>hình</a:t>
-            </a:r>
-            <a:r>
-              <a:rPr lang="en-US" sz="2400" dirty="0">
-                <a:latin typeface="Helvetica Neue"/>
-              </a:rPr>
-              <a:t> </a:t>
-            </a:r>
-            <a:r>
-              <a:rPr lang="en-US" sz="2400" dirty="0" err="1">
-                <a:latin typeface="Helvetica Neue"/>
-              </a:rPr>
-              <a:t>và</a:t>
-            </a:r>
-            <a:r>
-              <a:rPr lang="en-US" sz="2400" dirty="0">
-                <a:latin typeface="Helvetica Neue"/>
-              </a:rPr>
-              <a:t> so </a:t>
-            </a:r>
-            <a:r>
-              <a:rPr lang="en-US" sz="2400" dirty="0" err="1">
-                <a:latin typeface="Helvetica Neue"/>
-              </a:rPr>
-              <a:t>sánh</a:t>
-            </a:r>
-            <a:r>
-              <a:rPr lang="en-US" sz="2400" dirty="0">
-                <a:latin typeface="Helvetica Neue"/>
-              </a:rPr>
-              <a:t> </a:t>
-            </a:r>
-            <a:r>
-              <a:rPr lang="en-US" sz="2400" dirty="0" err="1">
-                <a:latin typeface="Helvetica Neue"/>
-              </a:rPr>
-              <a:t>kết</a:t>
-            </a:r>
-            <a:r>
-              <a:rPr lang="en-US" sz="2400" dirty="0">
-                <a:latin typeface="Helvetica Neue"/>
-              </a:rPr>
-              <a:t> </a:t>
-            </a:r>
-            <a:r>
-              <a:rPr lang="en-US" sz="2400" dirty="0" err="1">
-                <a:latin typeface="Helvetica Neue"/>
-              </a:rPr>
-              <a:t>quá</a:t>
+                <a:solidFill>
+                  <a:schemeClr val="tx1"/>
+                </a:solidFill>
+                <a:latin typeface="Helvetica Neue"/>
+              </a:rPr>
+              <a:t> Do đó cần có kinh nghiệm trong việc lựa chọn mô hình, hoặc chạy thử nhiều mô hình và so sánh kết </a:t>
+            </a:r>
+            <a:r>
+              <a:rPr lang="en-US" dirty="0" smtClean="0">
+                <a:solidFill>
+                  <a:schemeClr val="tx1"/>
+                </a:solidFill>
+                <a:latin typeface="Helvetica Neue"/>
+              </a:rPr>
+              <a:t>quá.</a:t>
             </a:r>
             <a:endParaRPr lang="en-US" dirty="0">
+              <a:solidFill>
+                <a:schemeClr val="tx1"/>
+              </a:solidFill>
               <a:latin typeface="Helvetica Neue"/>
             </a:endParaRPr>
           </a:p>
@@ -13457,6 +12078,13 @@
   <p:clrMapOvr>
     <a:masterClrMapping/>
   </p:clrMapOvr>
+  <p:timing>
+    <p:tnLst>
+      <p:par>
+        <p:cTn id="1" dur="indefinite" restart="never" nodeType="tmRoot"/>
+      </p:par>
+    </p:tnLst>
+  </p:timing>
 </p:sld>
 </file>
 
@@ -13601,6 +12229,13 @@
   <p:clrMapOvr>
     <a:masterClrMapping/>
   </p:clrMapOvr>
+  <p:timing>
+    <p:tnLst>
+      <p:par>
+        <p:cTn id="1" dur="indefinite" restart="never" nodeType="tmRoot"/>
+      </p:par>
+    </p:tnLst>
+  </p:timing>
 </p:sld>
 </file>
 
@@ -13817,6 +12452,13 @@
   <p:clrMapOvr>
     <a:masterClrMapping/>
   </p:clrMapOvr>
+  <p:timing>
+    <p:tnLst>
+      <p:par>
+        <p:cTn id="1" dur="indefinite" restart="never" nodeType="tmRoot"/>
+      </p:par>
+    </p:tnLst>
+  </p:timing>
 </p:sld>
 </file>
 
@@ -13904,6 +12546,13 @@
   <p:clrMapOvr>
     <a:masterClrMapping/>
   </p:clrMapOvr>
+  <p:timing>
+    <p:tnLst>
+      <p:par>
+        <p:cTn id="1" dur="indefinite" restart="never" nodeType="tmRoot"/>
+      </p:par>
+    </p:tnLst>
+  </p:timing>
 </p:sld>
 </file>
 
@@ -14127,34 +12776,16 @@
           <a:p>
             <a:pPr lvl="1"/>
             <a:r>
-              <a:rPr lang="en-US" dirty="0" err="1">
-                <a:latin typeface="Helvetica Neue"/>
-              </a:rPr>
-              <a:t>Mỹ</a:t>
-            </a:r>
-            <a:r>
               <a:rPr lang="en-US" dirty="0">
                 <a:latin typeface="Helvetica Neue"/>
               </a:rPr>
-              <a:t> thang </a:t>
-            </a:r>
-            <a:r>
-              <a:rPr lang="en-US" dirty="0" err="1">
-                <a:latin typeface="Helvetica Neue"/>
-              </a:rPr>
-              <a:t>đo</a:t>
-            </a:r>
-            <a:r>
-              <a:rPr lang="en-US" dirty="0">
-                <a:latin typeface="Helvetica Neue"/>
-              </a:rPr>
-              <a:t> 6 </a:t>
-            </a:r>
-            <a:r>
-              <a:rPr lang="en-US" dirty="0" err="1">
-                <a:latin typeface="Helvetica Neue"/>
-              </a:rPr>
-              <a:t>bậc</a:t>
+              <a:t>Mỹ thang đo 6 </a:t>
+            </a:r>
+            <a:r>
+              <a:rPr lang="en-US" dirty="0" smtClean="0">
+                <a:latin typeface="Helvetica Neue"/>
+              </a:rPr>
+              <a:t>bậc.</a:t>
             </a:r>
             <a:endParaRPr lang="en-US" dirty="0">
               <a:latin typeface="Helvetica Neue"/>
@@ -14166,790 +12797,53 @@
               <a:rPr lang="en-US" dirty="0">
                 <a:latin typeface="Helvetica Neue"/>
               </a:rPr>
-              <a:t>Anh thang </a:t>
-            </a:r>
-            <a:r>
-              <a:rPr lang="en-US" dirty="0" err="1">
-                <a:latin typeface="Helvetica Neue"/>
-              </a:rPr>
-              <a:t>đo</a:t>
-            </a:r>
-            <a:r>
-              <a:rPr lang="en-US" dirty="0">
-                <a:latin typeface="Helvetica Neue"/>
-              </a:rPr>
-              <a:t> 4 </a:t>
-            </a:r>
-            <a:r>
-              <a:rPr lang="en-US" dirty="0" err="1">
-                <a:latin typeface="Helvetica Neue"/>
-              </a:rPr>
-              <a:t>bậc</a:t>
+              <a:t>Anh thang đo 4 </a:t>
+            </a:r>
+            <a:r>
+              <a:rPr lang="en-US" dirty="0" smtClean="0">
+                <a:latin typeface="Helvetica Neue"/>
+              </a:rPr>
+              <a:t>bậc.</a:t>
             </a:r>
             <a:endParaRPr lang="en-US" dirty="0">
               <a:latin typeface="Helvetica Neue"/>
             </a:endParaRPr>
           </a:p>
           <a:p>
-            <a:pPr lvl="1"/>
-            <a:r>
-              <a:rPr lang="en-US" dirty="0" err="1">
-                <a:latin typeface="Helvetica Neue"/>
-              </a:rPr>
-              <a:t>Trong</a:t>
-            </a:r>
+            <a:pPr lvl="1" algn="just"/>
             <a:r>
               <a:rPr lang="en-US" dirty="0">
                 <a:latin typeface="Helvetica Neue"/>
               </a:rPr>
-              <a:t> </a:t>
-            </a:r>
-            <a:r>
-              <a:rPr lang="en-US" dirty="0" err="1">
-                <a:latin typeface="Helvetica Neue"/>
-              </a:rPr>
-              <a:t>đó</a:t>
-            </a:r>
+              <a:t>Trong đó, nguồn dữ liệu nhóm sử dụng OpenWeatherMap sử dụng thang đo 5 bậc của </a:t>
+            </a:r>
+            <a:r>
+              <a:rPr lang="en-US" dirty="0" smtClean="0">
+                <a:latin typeface="Helvetica Neue"/>
+              </a:rPr>
+              <a:t>EU.</a:t>
+            </a:r>
+            <a:endParaRPr lang="en-US" dirty="0">
+              <a:latin typeface="Helvetica Neue"/>
+            </a:endParaRPr>
+          </a:p>
+          <a:p>
+            <a:pPr algn="just"/>
             <a:r>
               <a:rPr lang="en-US" dirty="0">
                 <a:latin typeface="Helvetica Neue"/>
               </a:rPr>
-              <a:t>, </a:t>
-            </a:r>
-            <a:r>
-              <a:rPr lang="en-US" dirty="0" err="1">
-                <a:latin typeface="Helvetica Neue"/>
-              </a:rPr>
-              <a:t>nguồn</a:t>
-            </a:r>
-            <a:r>
-              <a:rPr lang="en-US" dirty="0">
-                <a:latin typeface="Helvetica Neue"/>
-              </a:rPr>
-              <a:t> </a:t>
-            </a:r>
-            <a:r>
-              <a:rPr lang="en-US" dirty="0" err="1">
-                <a:latin typeface="Helvetica Neue"/>
-              </a:rPr>
-              <a:t>dữ</a:t>
-            </a:r>
-            <a:r>
-              <a:rPr lang="en-US" dirty="0">
-                <a:latin typeface="Helvetica Neue"/>
-              </a:rPr>
-              <a:t> </a:t>
-            </a:r>
-            <a:r>
-              <a:rPr lang="en-US" dirty="0" err="1">
-                <a:latin typeface="Helvetica Neue"/>
-              </a:rPr>
-              <a:t>liệu</a:t>
-            </a:r>
-            <a:r>
-              <a:rPr lang="en-US" dirty="0">
-                <a:latin typeface="Helvetica Neue"/>
-              </a:rPr>
-              <a:t> </a:t>
-            </a:r>
-            <a:r>
-              <a:rPr lang="en-US" dirty="0" err="1">
-                <a:latin typeface="Helvetica Neue"/>
-              </a:rPr>
-              <a:t>nhóm</a:t>
-            </a:r>
-            <a:r>
-              <a:rPr lang="en-US" dirty="0">
-                <a:latin typeface="Helvetica Neue"/>
-              </a:rPr>
-              <a:t> </a:t>
-            </a:r>
-            <a:r>
-              <a:rPr lang="en-US" dirty="0" err="1">
-                <a:latin typeface="Helvetica Neue"/>
-              </a:rPr>
-              <a:t>sử</a:t>
-            </a:r>
-            <a:r>
-              <a:rPr lang="en-US" dirty="0">
-                <a:latin typeface="Helvetica Neue"/>
-              </a:rPr>
-              <a:t> </a:t>
-            </a:r>
-            <a:r>
-              <a:rPr lang="en-US" dirty="0" err="1">
-                <a:latin typeface="Helvetica Neue"/>
-              </a:rPr>
-              <a:t>dụng</a:t>
-            </a:r>
-            <a:r>
-              <a:rPr lang="en-US" dirty="0">
-                <a:latin typeface="Helvetica Neue"/>
-              </a:rPr>
-              <a:t> </a:t>
-            </a:r>
-            <a:r>
-              <a:rPr lang="en-US" dirty="0" err="1">
-                <a:latin typeface="Helvetica Neue"/>
-              </a:rPr>
-              <a:t>OpenWeatherMap</a:t>
-            </a:r>
-            <a:r>
-              <a:rPr lang="en-US" dirty="0">
-                <a:latin typeface="Helvetica Neue"/>
-              </a:rPr>
-              <a:t> </a:t>
-            </a:r>
-            <a:r>
-              <a:rPr lang="en-US" dirty="0" err="1">
-                <a:latin typeface="Helvetica Neue"/>
-              </a:rPr>
-              <a:t>sử</a:t>
-            </a:r>
-            <a:r>
-              <a:rPr lang="en-US" dirty="0">
-                <a:latin typeface="Helvetica Neue"/>
-              </a:rPr>
-              <a:t> </a:t>
-            </a:r>
-            <a:r>
-              <a:rPr lang="en-US" dirty="0" err="1">
-                <a:latin typeface="Helvetica Neue"/>
-              </a:rPr>
-              <a:t>dụng</a:t>
-            </a:r>
-            <a:r>
-              <a:rPr lang="en-US" dirty="0">
-                <a:latin typeface="Helvetica Neue"/>
-              </a:rPr>
-              <a:t> thang </a:t>
-            </a:r>
-            <a:r>
-              <a:rPr lang="en-US" dirty="0" err="1">
-                <a:latin typeface="Helvetica Neue"/>
-              </a:rPr>
-              <a:t>đo</a:t>
-            </a:r>
-            <a:r>
-              <a:rPr lang="en-US" dirty="0">
-                <a:latin typeface="Helvetica Neue"/>
-              </a:rPr>
-              <a:t> 5 </a:t>
-            </a:r>
-            <a:r>
-              <a:rPr lang="en-US" dirty="0" err="1">
-                <a:latin typeface="Helvetica Neue"/>
-              </a:rPr>
-              <a:t>bậc</a:t>
-            </a:r>
-            <a:r>
-              <a:rPr lang="en-US" dirty="0">
-                <a:latin typeface="Helvetica Neue"/>
-              </a:rPr>
-              <a:t> </a:t>
-            </a:r>
-            <a:r>
-              <a:rPr lang="en-US" dirty="0" err="1">
-                <a:latin typeface="Helvetica Neue"/>
-              </a:rPr>
-              <a:t>của</a:t>
-            </a:r>
-            <a:r>
-              <a:rPr lang="en-US" dirty="0">
-                <a:latin typeface="Helvetica Neue"/>
-              </a:rPr>
-              <a:t> EU</a:t>
-            </a:r>
-          </a:p>
-          <a:p>
-            <a:r>
-              <a:rPr lang="en-US" dirty="0" err="1">
-                <a:latin typeface="Helvetica Neue"/>
-              </a:rPr>
-              <a:t>Thông</a:t>
-            </a:r>
-            <a:r>
-              <a:rPr lang="en-US" dirty="0">
-                <a:latin typeface="Helvetica Neue"/>
-              </a:rPr>
-              <a:t> qua </a:t>
-            </a:r>
-            <a:r>
-              <a:rPr lang="en-US" dirty="0" err="1">
-                <a:latin typeface="Helvetica Neue"/>
-              </a:rPr>
-              <a:t>các</a:t>
-            </a:r>
-            <a:r>
-              <a:rPr lang="en-US" dirty="0">
-                <a:latin typeface="Helvetica Neue"/>
-              </a:rPr>
-              <a:t> </a:t>
-            </a:r>
-            <a:r>
-              <a:rPr lang="en-US" dirty="0" err="1">
-                <a:latin typeface="Helvetica Neue"/>
-              </a:rPr>
-              <a:t>mẫu</a:t>
-            </a:r>
-            <a:r>
-              <a:rPr lang="en-US" dirty="0">
-                <a:latin typeface="Helvetica Neue"/>
-              </a:rPr>
-              <a:t> </a:t>
-            </a:r>
-            <a:r>
-              <a:rPr lang="en-US" dirty="0" err="1">
-                <a:latin typeface="Helvetica Neue"/>
-              </a:rPr>
-              <a:t>không</a:t>
-            </a:r>
-            <a:r>
-              <a:rPr lang="en-US" dirty="0">
-                <a:latin typeface="Helvetica Neue"/>
-              </a:rPr>
-              <a:t> </a:t>
-            </a:r>
-            <a:r>
-              <a:rPr lang="en-US" dirty="0" err="1">
-                <a:latin typeface="Helvetica Neue"/>
-              </a:rPr>
-              <a:t>khí</a:t>
-            </a:r>
-            <a:r>
-              <a:rPr lang="en-US" dirty="0">
-                <a:latin typeface="Helvetica Neue"/>
-              </a:rPr>
-              <a:t> </a:t>
-            </a:r>
-            <a:r>
-              <a:rPr lang="en-US" dirty="0" err="1">
-                <a:latin typeface="Helvetica Neue"/>
-              </a:rPr>
-              <a:t>đã</a:t>
-            </a:r>
-            <a:r>
-              <a:rPr lang="en-US" dirty="0">
-                <a:latin typeface="Helvetica Neue"/>
-              </a:rPr>
-              <a:t> </a:t>
-            </a:r>
-            <a:r>
-              <a:rPr lang="en-US" dirty="0" err="1">
-                <a:latin typeface="Helvetica Neue"/>
-              </a:rPr>
-              <a:t>được</a:t>
-            </a:r>
-            <a:r>
-              <a:rPr lang="en-US" dirty="0">
-                <a:latin typeface="Helvetica Neue"/>
-              </a:rPr>
-              <a:t> </a:t>
-            </a:r>
-            <a:r>
-              <a:rPr lang="en-US" dirty="0" err="1">
-                <a:latin typeface="Helvetica Neue"/>
-              </a:rPr>
-              <a:t>chấm</a:t>
-            </a:r>
-            <a:r>
-              <a:rPr lang="en-US" dirty="0">
-                <a:latin typeface="Helvetica Neue"/>
-              </a:rPr>
-              <a:t> </a:t>
-            </a:r>
-            <a:r>
-              <a:rPr lang="en-US" dirty="0" err="1">
-                <a:latin typeface="Helvetica Neue"/>
-              </a:rPr>
-              <a:t>điểm</a:t>
-            </a:r>
-            <a:r>
-              <a:rPr lang="en-US" dirty="0">
-                <a:latin typeface="Helvetica Neue"/>
-              </a:rPr>
-              <a:t>, </a:t>
-            </a:r>
-            <a:r>
-              <a:rPr lang="en-US" dirty="0" err="1">
-                <a:latin typeface="Helvetica Neue"/>
-              </a:rPr>
-              <a:t>đảo</a:t>
-            </a:r>
-            <a:r>
-              <a:rPr lang="en-US" dirty="0">
-                <a:latin typeface="Helvetica Neue"/>
-              </a:rPr>
-              <a:t> </a:t>
-            </a:r>
-            <a:r>
-              <a:rPr lang="en-US" dirty="0" err="1">
-                <a:latin typeface="Helvetica Neue"/>
-              </a:rPr>
-              <a:t>ngược</a:t>
-            </a:r>
-            <a:r>
-              <a:rPr lang="en-US" dirty="0">
-                <a:latin typeface="Helvetica Neue"/>
-              </a:rPr>
-              <a:t> </a:t>
-            </a:r>
-            <a:r>
-              <a:rPr lang="en-US" dirty="0" err="1">
-                <a:latin typeface="Helvetica Neue"/>
-              </a:rPr>
-              <a:t>và</a:t>
-            </a:r>
-            <a:r>
-              <a:rPr lang="en-US" dirty="0">
-                <a:latin typeface="Helvetica Neue"/>
-              </a:rPr>
-              <a:t> </a:t>
-            </a:r>
-            <a:r>
-              <a:rPr lang="en-US" dirty="0" err="1">
-                <a:latin typeface="Helvetica Neue"/>
-              </a:rPr>
-              <a:t>tìm</a:t>
-            </a:r>
-            <a:r>
-              <a:rPr lang="en-US" dirty="0">
-                <a:latin typeface="Helvetica Neue"/>
-              </a:rPr>
-              <a:t> ra </a:t>
-            </a:r>
-            <a:r>
-              <a:rPr lang="en-US" dirty="0" err="1">
-                <a:latin typeface="Helvetica Neue"/>
-              </a:rPr>
-              <a:t>hàm</a:t>
-            </a:r>
-            <a:r>
-              <a:rPr lang="en-US" dirty="0">
-                <a:latin typeface="Helvetica Neue"/>
-              </a:rPr>
-              <a:t> </a:t>
-            </a:r>
-            <a:r>
-              <a:rPr lang="en-US" dirty="0" err="1">
-                <a:latin typeface="Helvetica Neue"/>
-              </a:rPr>
-              <a:t>chấm</a:t>
-            </a:r>
-            <a:r>
-              <a:rPr lang="en-US" dirty="0">
-                <a:latin typeface="Helvetica Neue"/>
-              </a:rPr>
-              <a:t> </a:t>
-            </a:r>
-            <a:r>
-              <a:rPr lang="en-US" dirty="0" err="1">
-                <a:latin typeface="Helvetica Neue"/>
-              </a:rPr>
-              <a:t>điểm</a:t>
-            </a:r>
-            <a:r>
-              <a:rPr lang="en-US" dirty="0">
-                <a:latin typeface="Helvetica Neue"/>
-              </a:rPr>
-              <a:t> </a:t>
-            </a:r>
-            <a:r>
-              <a:rPr lang="en-US" dirty="0" err="1">
-                <a:latin typeface="Helvetica Neue"/>
-              </a:rPr>
-              <a:t>để</a:t>
-            </a:r>
-            <a:r>
-              <a:rPr lang="en-US" dirty="0">
-                <a:latin typeface="Helvetica Neue"/>
-              </a:rPr>
-              <a:t> </a:t>
-            </a:r>
-            <a:r>
-              <a:rPr lang="en-US" dirty="0" err="1">
-                <a:latin typeface="Helvetica Neue"/>
-              </a:rPr>
-              <a:t>sử</a:t>
-            </a:r>
-            <a:r>
-              <a:rPr lang="en-US" dirty="0">
-                <a:latin typeface="Helvetica Neue"/>
-              </a:rPr>
-              <a:t> </a:t>
-            </a:r>
-            <a:r>
-              <a:rPr lang="en-US" dirty="0" err="1">
-                <a:latin typeface="Helvetica Neue"/>
-              </a:rPr>
-              <a:t>dụng</a:t>
-            </a:r>
-            <a:r>
-              <a:rPr lang="en-US" dirty="0">
-                <a:latin typeface="Helvetica Neue"/>
-              </a:rPr>
-              <a:t> </a:t>
-            </a:r>
-            <a:r>
-              <a:rPr lang="en-US" dirty="0" err="1">
-                <a:latin typeface="Helvetica Neue"/>
-              </a:rPr>
-              <a:t>cho</a:t>
-            </a:r>
-            <a:r>
-              <a:rPr lang="en-US" dirty="0">
-                <a:latin typeface="Helvetica Neue"/>
-              </a:rPr>
-              <a:t> </a:t>
-            </a:r>
-            <a:r>
-              <a:rPr lang="en-US" dirty="0" err="1">
-                <a:latin typeface="Helvetica Neue"/>
-              </a:rPr>
-              <a:t>các</a:t>
-            </a:r>
-            <a:r>
-              <a:rPr lang="en-US" dirty="0">
-                <a:latin typeface="Helvetica Neue"/>
-              </a:rPr>
-              <a:t> </a:t>
-            </a:r>
-            <a:r>
-              <a:rPr lang="en-US" dirty="0" err="1">
-                <a:latin typeface="Helvetica Neue"/>
-              </a:rPr>
-              <a:t>mục</a:t>
-            </a:r>
-            <a:r>
-              <a:rPr lang="en-US" dirty="0">
-                <a:latin typeface="Helvetica Neue"/>
-              </a:rPr>
-              <a:t> </a:t>
-            </a:r>
-            <a:r>
-              <a:rPr lang="en-US" dirty="0" err="1">
-                <a:latin typeface="Helvetica Neue"/>
-              </a:rPr>
-              <a:t>đích</a:t>
-            </a:r>
-            <a:r>
-              <a:rPr lang="en-US" dirty="0">
-                <a:latin typeface="Helvetica Neue"/>
-              </a:rPr>
-              <a:t> </a:t>
-            </a:r>
-            <a:r>
-              <a:rPr lang="en-US" dirty="0" err="1">
-                <a:latin typeface="Helvetica Neue"/>
-              </a:rPr>
-              <a:t>sau</a:t>
-            </a:r>
-            <a:r>
-              <a:rPr lang="en-US" dirty="0">
-                <a:latin typeface="Helvetica Neue"/>
-              </a:rPr>
-              <a:t> </a:t>
-            </a:r>
-            <a:r>
-              <a:rPr lang="en-US" dirty="0" err="1">
-                <a:latin typeface="Helvetica Neue"/>
-              </a:rPr>
-              <a:t>này</a:t>
-            </a:r>
-            <a:r>
-              <a:rPr lang="en-US" dirty="0">
-                <a:latin typeface="Helvetica Neue"/>
-              </a:rPr>
-              <a:t> (VD: </a:t>
-            </a:r>
-            <a:r>
-              <a:rPr lang="en-US" dirty="0" err="1">
-                <a:latin typeface="Helvetica Neue"/>
-              </a:rPr>
-              <a:t>Xây</a:t>
-            </a:r>
-            <a:r>
-              <a:rPr lang="en-US" dirty="0">
-                <a:latin typeface="Helvetica Neue"/>
-              </a:rPr>
-              <a:t> </a:t>
-            </a:r>
-            <a:r>
-              <a:rPr lang="en-US" dirty="0" err="1">
-                <a:latin typeface="Helvetica Neue"/>
-              </a:rPr>
-              <a:t>dựng</a:t>
-            </a:r>
-            <a:r>
-              <a:rPr lang="en-US" dirty="0">
-                <a:latin typeface="Helvetica Neue"/>
-              </a:rPr>
-              <a:t> </a:t>
-            </a:r>
-            <a:r>
-              <a:rPr lang="en-US" dirty="0" err="1">
-                <a:latin typeface="Helvetica Neue"/>
-              </a:rPr>
-              <a:t>một</a:t>
-            </a:r>
-            <a:r>
-              <a:rPr lang="en-US" dirty="0">
-                <a:latin typeface="Helvetica Neue"/>
-              </a:rPr>
-              <a:t> </a:t>
-            </a:r>
-            <a:r>
-              <a:rPr lang="en-US" dirty="0" err="1">
-                <a:latin typeface="Helvetica Neue"/>
-              </a:rPr>
-              <a:t>ứng</a:t>
-            </a:r>
-            <a:r>
-              <a:rPr lang="en-US" dirty="0">
-                <a:latin typeface="Helvetica Neue"/>
-              </a:rPr>
-              <a:t> </a:t>
-            </a:r>
-            <a:r>
-              <a:rPr lang="en-US" dirty="0" err="1">
-                <a:latin typeface="Helvetica Neue"/>
-              </a:rPr>
-              <a:t>dụng</a:t>
-            </a:r>
-            <a:r>
-              <a:rPr lang="en-US" dirty="0">
-                <a:latin typeface="Helvetica Neue"/>
-              </a:rPr>
-              <a:t> </a:t>
-            </a:r>
-            <a:r>
-              <a:rPr lang="en-US" dirty="0" err="1">
-                <a:latin typeface="Helvetica Neue"/>
-              </a:rPr>
-              <a:t>chấm</a:t>
-            </a:r>
-            <a:r>
-              <a:rPr lang="en-US" dirty="0">
-                <a:latin typeface="Helvetica Neue"/>
-              </a:rPr>
-              <a:t> </a:t>
-            </a:r>
-            <a:r>
-              <a:rPr lang="en-US" dirty="0" err="1">
-                <a:latin typeface="Helvetica Neue"/>
-              </a:rPr>
-              <a:t>điểm</a:t>
-            </a:r>
-            <a:r>
-              <a:rPr lang="en-US" dirty="0">
-                <a:latin typeface="Helvetica Neue"/>
-              </a:rPr>
-              <a:t> </a:t>
-            </a:r>
-            <a:r>
-              <a:rPr lang="en-US" dirty="0" err="1">
-                <a:latin typeface="Helvetica Neue"/>
-              </a:rPr>
-              <a:t>không</a:t>
-            </a:r>
-            <a:r>
-              <a:rPr lang="en-US" dirty="0">
-                <a:latin typeface="Helvetica Neue"/>
-              </a:rPr>
-              <a:t> </a:t>
-            </a:r>
-            <a:r>
-              <a:rPr lang="en-US" dirty="0" err="1">
-                <a:latin typeface="Helvetica Neue"/>
-              </a:rPr>
-              <a:t>khí</a:t>
-            </a:r>
-            <a:r>
-              <a:rPr lang="en-US" dirty="0">
-                <a:latin typeface="Helvetica Neue"/>
-              </a:rPr>
-              <a:t>, </a:t>
-            </a:r>
-            <a:r>
-              <a:rPr lang="en-US" dirty="0" err="1">
-                <a:latin typeface="Helvetica Neue"/>
-              </a:rPr>
-              <a:t>đánh</a:t>
-            </a:r>
-            <a:r>
-              <a:rPr lang="en-US" dirty="0">
-                <a:latin typeface="Helvetica Neue"/>
-              </a:rPr>
-              <a:t> </a:t>
-            </a:r>
-            <a:r>
-              <a:rPr lang="en-US" dirty="0" err="1">
-                <a:latin typeface="Helvetica Neue"/>
-              </a:rPr>
-              <a:t>giá</a:t>
-            </a:r>
-            <a:r>
-              <a:rPr lang="en-US" dirty="0">
-                <a:latin typeface="Helvetica Neue"/>
-              </a:rPr>
-              <a:t> </a:t>
-            </a:r>
-            <a:r>
-              <a:rPr lang="en-US" dirty="0" err="1">
-                <a:latin typeface="Helvetica Neue"/>
-              </a:rPr>
-              <a:t>chất</a:t>
-            </a:r>
-            <a:r>
-              <a:rPr lang="en-US" dirty="0">
-                <a:latin typeface="Helvetica Neue"/>
-              </a:rPr>
-              <a:t> </a:t>
-            </a:r>
-            <a:r>
-              <a:rPr lang="en-US" dirty="0" err="1">
-                <a:latin typeface="Helvetica Neue"/>
-              </a:rPr>
-              <a:t>lượng</a:t>
-            </a:r>
-            <a:r>
-              <a:rPr lang="en-US" dirty="0">
-                <a:latin typeface="Helvetica Neue"/>
-              </a:rPr>
-              <a:t> </a:t>
-            </a:r>
-            <a:r>
-              <a:rPr lang="en-US" dirty="0" err="1">
-                <a:latin typeface="Helvetica Neue"/>
-              </a:rPr>
-              <a:t>không</a:t>
-            </a:r>
-            <a:r>
-              <a:rPr lang="en-US" dirty="0">
-                <a:latin typeface="Helvetica Neue"/>
-              </a:rPr>
-              <a:t> </a:t>
-            </a:r>
-            <a:r>
-              <a:rPr lang="en-US" dirty="0" err="1">
-                <a:latin typeface="Helvetica Neue"/>
-              </a:rPr>
-              <a:t>khí</a:t>
-            </a:r>
-            <a:r>
-              <a:rPr lang="en-US" dirty="0">
-                <a:latin typeface="Helvetica Neue"/>
-              </a:rPr>
-              <a:t> </a:t>
-            </a:r>
-            <a:r>
-              <a:rPr lang="en-US" dirty="0" err="1">
-                <a:latin typeface="Helvetica Neue"/>
-              </a:rPr>
-              <a:t>khi</a:t>
-            </a:r>
-            <a:r>
-              <a:rPr lang="en-US" dirty="0">
-                <a:latin typeface="Helvetica Neue"/>
-              </a:rPr>
-              <a:t> </a:t>
-            </a:r>
-            <a:r>
-              <a:rPr lang="en-US" dirty="0" err="1">
-                <a:latin typeface="Helvetica Neue"/>
-              </a:rPr>
-              <a:t>các</a:t>
-            </a:r>
-            <a:r>
-              <a:rPr lang="en-US" dirty="0">
-                <a:latin typeface="Helvetica Neue"/>
-              </a:rPr>
-              <a:t> </a:t>
-            </a:r>
-            <a:r>
-              <a:rPr lang="en-US" dirty="0" err="1">
-                <a:latin typeface="Helvetica Neue"/>
-              </a:rPr>
-              <a:t>nhân</a:t>
-            </a:r>
-            <a:r>
-              <a:rPr lang="en-US" dirty="0">
-                <a:latin typeface="Helvetica Neue"/>
-              </a:rPr>
-              <a:t> </a:t>
-            </a:r>
-            <a:r>
-              <a:rPr lang="en-US" dirty="0" err="1">
-                <a:latin typeface="Helvetica Neue"/>
-              </a:rPr>
-              <a:t>viên</a:t>
-            </a:r>
-            <a:r>
-              <a:rPr lang="en-US" dirty="0">
-                <a:latin typeface="Helvetica Neue"/>
-              </a:rPr>
-              <a:t> </a:t>
-            </a:r>
-            <a:r>
-              <a:rPr lang="en-US" dirty="0" err="1">
-                <a:latin typeface="Helvetica Neue"/>
-              </a:rPr>
-              <a:t>môi</a:t>
-            </a:r>
-            <a:r>
-              <a:rPr lang="en-US" dirty="0">
-                <a:latin typeface="Helvetica Neue"/>
-              </a:rPr>
-              <a:t> </a:t>
-            </a:r>
-            <a:r>
-              <a:rPr lang="en-US" dirty="0" err="1">
-                <a:latin typeface="Helvetica Neue"/>
-              </a:rPr>
-              <a:t>trường</a:t>
-            </a:r>
-            <a:r>
-              <a:rPr lang="en-US" dirty="0">
-                <a:latin typeface="Helvetica Neue"/>
-              </a:rPr>
-              <a:t> </a:t>
-            </a:r>
-            <a:r>
-              <a:rPr lang="en-US" dirty="0" err="1">
-                <a:latin typeface="Helvetica Neue"/>
-              </a:rPr>
-              <a:t>đi</a:t>
-            </a:r>
-            <a:r>
-              <a:rPr lang="en-US" dirty="0">
-                <a:latin typeface="Helvetica Neue"/>
-              </a:rPr>
-              <a:t> </a:t>
-            </a:r>
-            <a:r>
-              <a:rPr lang="en-US" dirty="0" err="1">
-                <a:latin typeface="Helvetica Neue"/>
-              </a:rPr>
-              <a:t>lấy</a:t>
-            </a:r>
-            <a:r>
-              <a:rPr lang="en-US" dirty="0">
-                <a:latin typeface="Helvetica Neue"/>
-              </a:rPr>
-              <a:t> </a:t>
-            </a:r>
-            <a:r>
-              <a:rPr lang="en-US" dirty="0" err="1">
-                <a:latin typeface="Helvetica Neue"/>
-              </a:rPr>
-              <a:t>mẫu</a:t>
-            </a:r>
-            <a:r>
-              <a:rPr lang="en-US" dirty="0">
-                <a:latin typeface="Helvetica Neue"/>
-              </a:rPr>
-              <a:t>)</a:t>
-            </a:r>
+              <a:t>Thông qua các mẫu không khí đã được chấm điểm, đảo ngược và tìm ra hàm chấm điểm để sử dụng cho các mục đích sau này (VD: Xây dựng một ứng dụng chấm điểm không khí, đánh giá chất lượng không khí khi các nhân viên môi trường đi lấy mẫu</a:t>
+            </a:r>
+            <a:r>
+              <a:rPr lang="en-US" dirty="0" smtClean="0">
+                <a:latin typeface="Helvetica Neue"/>
+              </a:rPr>
+              <a:t>).</a:t>
+            </a:r>
+            <a:endParaRPr lang="en-US" dirty="0">
+              <a:latin typeface="Helvetica Neue"/>
+            </a:endParaRPr>
           </a:p>
         </p:txBody>
       </p:sp>
@@ -14963,6 +12857,13 @@
   <p:clrMapOvr>
     <a:masterClrMapping/>
   </p:clrMapOvr>
+  <p:timing>
+    <p:tnLst>
+      <p:par>
+        <p:cTn id="1" dur="indefinite" restart="never" nodeType="tmRoot"/>
+      </p:par>
+    </p:tnLst>
+  </p:timing>
 </p:sld>
 </file>
 
@@ -15062,186 +12963,29 @@
             <p:ph idx="1"/>
           </p:nvPr>
         </p:nvSpPr>
-        <p:spPr/>
+        <p:spPr>
+          <a:xfrm>
+            <a:off x="677333" y="2160589"/>
+            <a:ext cx="8891539" cy="3880773"/>
+          </a:xfrm>
+        </p:spPr>
         <p:txBody>
           <a:bodyPr>
-            <a:normAutofit lnSpcReduction="10000"/>
+            <a:normAutofit fontScale="92500" lnSpcReduction="10000"/>
           </a:bodyPr>
           <a:lstStyle/>
           <a:p>
             <a:r>
-              <a:rPr lang="en-US" dirty="0" err="1">
-                <a:latin typeface="Helvetica Neue"/>
-              </a:rPr>
-              <a:t>Mục</a:t>
-            </a:r>
-            <a:r>
               <a:rPr lang="en-US" dirty="0">
                 <a:latin typeface="Helvetica Neue"/>
               </a:rPr>
-              <a:t> </a:t>
-            </a:r>
-            <a:r>
-              <a:rPr lang="en-US" dirty="0" err="1">
-                <a:latin typeface="Helvetica Neue"/>
-              </a:rPr>
-              <a:t>tiêu</a:t>
-            </a:r>
-            <a:r>
-              <a:rPr lang="en-US" dirty="0">
-                <a:latin typeface="Helvetica Neue"/>
-              </a:rPr>
-              <a:t>, </a:t>
-            </a:r>
-            <a:r>
-              <a:rPr lang="en-US" dirty="0" err="1">
-                <a:latin typeface="Helvetica Neue"/>
-              </a:rPr>
-              <a:t>thu</a:t>
-            </a:r>
-            <a:r>
-              <a:rPr lang="en-US" dirty="0">
-                <a:latin typeface="Helvetica Neue"/>
-              </a:rPr>
-              <a:t> </a:t>
-            </a:r>
-            <a:r>
-              <a:rPr lang="en-US" dirty="0" err="1">
-                <a:latin typeface="Helvetica Neue"/>
-              </a:rPr>
-              <a:t>thập</a:t>
-            </a:r>
-            <a:r>
-              <a:rPr lang="en-US" dirty="0">
-                <a:latin typeface="Helvetica Neue"/>
-              </a:rPr>
-              <a:t> </a:t>
-            </a:r>
-            <a:r>
-              <a:rPr lang="en-US" dirty="0" err="1">
-                <a:latin typeface="Helvetica Neue"/>
-              </a:rPr>
-              <a:t>dữ</a:t>
-            </a:r>
-            <a:r>
-              <a:rPr lang="en-US" dirty="0">
-                <a:latin typeface="Helvetica Neue"/>
-              </a:rPr>
-              <a:t> </a:t>
-            </a:r>
-            <a:r>
-              <a:rPr lang="en-US" dirty="0" err="1">
-                <a:latin typeface="Helvetica Neue"/>
-              </a:rPr>
-              <a:t>liệu</a:t>
-            </a:r>
-            <a:r>
-              <a:rPr lang="en-US" dirty="0">
-                <a:latin typeface="Helvetica Neue"/>
-              </a:rPr>
-              <a:t> </a:t>
-            </a:r>
-            <a:r>
-              <a:rPr lang="en-US" dirty="0" err="1">
-                <a:latin typeface="Helvetica Neue"/>
-              </a:rPr>
-              <a:t>về</a:t>
-            </a:r>
-            <a:r>
-              <a:rPr lang="en-US" dirty="0">
-                <a:latin typeface="Helvetica Neue"/>
-              </a:rPr>
-              <a:t> </a:t>
-            </a:r>
-            <a:r>
-              <a:rPr lang="en-US" dirty="0" err="1">
-                <a:latin typeface="Helvetica Neue"/>
-              </a:rPr>
-              <a:t>chất</a:t>
-            </a:r>
-            <a:r>
-              <a:rPr lang="en-US" dirty="0">
-                <a:latin typeface="Helvetica Neue"/>
-              </a:rPr>
-              <a:t> </a:t>
-            </a:r>
-            <a:r>
-              <a:rPr lang="en-US" dirty="0" err="1">
-                <a:latin typeface="Helvetica Neue"/>
-              </a:rPr>
-              <a:t>lượng</a:t>
-            </a:r>
-            <a:r>
-              <a:rPr lang="en-US" dirty="0">
-                <a:latin typeface="Helvetica Neue"/>
-              </a:rPr>
-              <a:t> </a:t>
-            </a:r>
-            <a:r>
-              <a:rPr lang="en-US" dirty="0" err="1">
-                <a:latin typeface="Helvetica Neue"/>
-              </a:rPr>
-              <a:t>không</a:t>
-            </a:r>
-            <a:r>
-              <a:rPr lang="en-US" dirty="0">
-                <a:latin typeface="Helvetica Neue"/>
-              </a:rPr>
-              <a:t> </a:t>
-            </a:r>
-            <a:r>
-              <a:rPr lang="en-US" dirty="0" err="1">
-                <a:latin typeface="Helvetica Neue"/>
-              </a:rPr>
-              <a:t>khí</a:t>
-            </a:r>
-            <a:r>
-              <a:rPr lang="en-US" dirty="0">
-                <a:latin typeface="Helvetica Neue"/>
-              </a:rPr>
-              <a:t> </a:t>
-            </a:r>
-            <a:r>
-              <a:rPr lang="en-US" dirty="0" err="1">
-                <a:latin typeface="Helvetica Neue"/>
-              </a:rPr>
-              <a:t>của</a:t>
-            </a:r>
-            <a:r>
-              <a:rPr lang="en-US" dirty="0">
-                <a:latin typeface="Helvetica Neue"/>
-              </a:rPr>
-              <a:t> TP HCM </a:t>
-            </a:r>
-            <a:r>
-              <a:rPr lang="en-US" dirty="0" err="1">
-                <a:latin typeface="Helvetica Neue"/>
-              </a:rPr>
-              <a:t>theo</a:t>
-            </a:r>
-            <a:r>
-              <a:rPr lang="en-US" dirty="0">
-                <a:latin typeface="Helvetica Neue"/>
-              </a:rPr>
-              <a:t> </a:t>
-            </a:r>
-            <a:r>
-              <a:rPr lang="en-US" dirty="0" err="1">
-                <a:latin typeface="Helvetica Neue"/>
-              </a:rPr>
-              <a:t>từng</a:t>
-            </a:r>
-            <a:r>
-              <a:rPr lang="en-US" dirty="0">
-                <a:latin typeface="Helvetica Neue"/>
-              </a:rPr>
-              <a:t> </a:t>
-            </a:r>
-            <a:r>
-              <a:rPr lang="en-US" dirty="0" err="1">
-                <a:latin typeface="Helvetica Neue"/>
-              </a:rPr>
-              <a:t>ngày</a:t>
+              <a:t>Mục tiêu, thu thập dữ liệu về chất lượng không khí của TP HCM theo từng </a:t>
+            </a:r>
+            <a:r>
+              <a:rPr lang="en-US" dirty="0" smtClean="0">
+                <a:latin typeface="Helvetica Neue"/>
+              </a:rPr>
+              <a:t>ngày.</a:t>
             </a:r>
             <a:endParaRPr lang="en-US" dirty="0">
               <a:latin typeface="Helvetica Neue"/>
@@ -15431,27 +13175,7 @@
                 <a:effectLst/>
                 <a:latin typeface="Helvetica Neue"/>
               </a:rPr>
-              <a:t>{</a:t>
-            </a:r>
-            <a:r>
-              <a:rPr lang="en-US" sz="1800" b="0" i="0" dirty="0" err="1">
-                <a:solidFill>
-                  <a:srgbClr val="EB6E4B"/>
-                </a:solidFill>
-                <a:effectLst/>
-                <a:latin typeface="Helvetica Neue"/>
-              </a:rPr>
-              <a:t>lat</a:t>
-            </a:r>
-            <a:r>
-              <a:rPr lang="en-US" sz="1800" b="0" i="0" dirty="0">
-                <a:solidFill>
-                  <a:srgbClr val="EB6E4B"/>
-                </a:solidFill>
-                <a:effectLst/>
-                <a:latin typeface="Helvetica Neue"/>
-              </a:rPr>
-              <a:t>}</a:t>
+              <a:t>{lat}</a:t>
             </a:r>
             <a:r>
               <a:rPr lang="en-US" sz="1800" dirty="0">
@@ -15460,106 +13184,16 @@
                 </a:solidFill>
                 <a:latin typeface="Helvetica Neue"/>
               </a:rPr>
-              <a:t>: </a:t>
-            </a:r>
-            <a:r>
-              <a:rPr lang="en-US" sz="1800" dirty="0" err="1">
+              <a:t>: Lattitude, vĩ độ điểm lấy </a:t>
+            </a:r>
+            <a:r>
+              <a:rPr lang="en-US" sz="1800" dirty="0" smtClean="0">
                 <a:solidFill>
                   <a:srgbClr val="48484A"/>
                 </a:solidFill>
                 <a:latin typeface="Helvetica Neue"/>
               </a:rPr>
-              <a:t>Lattitude</a:t>
-            </a:r>
-            <a:r>
-              <a:rPr lang="en-US" sz="1800" dirty="0">
-                <a:solidFill>
-                  <a:srgbClr val="48484A"/>
-                </a:solidFill>
-                <a:latin typeface="Helvetica Neue"/>
-              </a:rPr>
-              <a:t>, </a:t>
-            </a:r>
-            <a:r>
-              <a:rPr lang="en-US" sz="1800" dirty="0" err="1">
-                <a:solidFill>
-                  <a:srgbClr val="48484A"/>
-                </a:solidFill>
-                <a:latin typeface="Helvetica Neue"/>
-              </a:rPr>
-              <a:t>vĩ</a:t>
-            </a:r>
-            <a:r>
-              <a:rPr lang="en-US" sz="1800" dirty="0">
-                <a:solidFill>
-                  <a:srgbClr val="48484A"/>
-                </a:solidFill>
-                <a:latin typeface="Helvetica Neue"/>
-              </a:rPr>
-              <a:t> </a:t>
-            </a:r>
-            <a:r>
-              <a:rPr lang="en-US" sz="1800" dirty="0" err="1">
-                <a:solidFill>
-                  <a:srgbClr val="48484A"/>
-                </a:solidFill>
-                <a:latin typeface="Helvetica Neue"/>
-              </a:rPr>
-              <a:t>độ</a:t>
-            </a:r>
-            <a:r>
-              <a:rPr lang="en-US" sz="1800" dirty="0">
-                <a:solidFill>
-                  <a:srgbClr val="48484A"/>
-                </a:solidFill>
-                <a:latin typeface="Helvetica Neue"/>
-              </a:rPr>
-              <a:t> </a:t>
-            </a:r>
-            <a:r>
-              <a:rPr lang="en-US" sz="1800" dirty="0" err="1">
-                <a:solidFill>
-                  <a:srgbClr val="48484A"/>
-                </a:solidFill>
-                <a:latin typeface="Helvetica Neue"/>
-              </a:rPr>
-              <a:t>điểm</a:t>
-            </a:r>
-            <a:r>
-              <a:rPr lang="en-US" sz="1800" dirty="0">
-                <a:solidFill>
-                  <a:srgbClr val="48484A"/>
-                </a:solidFill>
-                <a:latin typeface="Helvetica Neue"/>
-              </a:rPr>
-              <a:t> </a:t>
-            </a:r>
-            <a:r>
-              <a:rPr lang="en-US" sz="1800" dirty="0" err="1">
-                <a:solidFill>
-                  <a:srgbClr val="48484A"/>
-                </a:solidFill>
-                <a:latin typeface="Helvetica Neue"/>
-              </a:rPr>
-              <a:t>lấy</a:t>
-            </a:r>
-            <a:r>
-              <a:rPr lang="en-US" sz="1800" dirty="0">
-                <a:solidFill>
-                  <a:srgbClr val="48484A"/>
-                </a:solidFill>
-                <a:latin typeface="Helvetica Neue"/>
-              </a:rPr>
-              <a:t> </a:t>
-            </a:r>
-            <a:r>
-              <a:rPr lang="en-US" sz="1800" dirty="0" err="1">
-                <a:solidFill>
-                  <a:srgbClr val="48484A"/>
-                </a:solidFill>
-                <a:latin typeface="Helvetica Neue"/>
-              </a:rPr>
-              <a:t>mẫu</a:t>
+              <a:t>mẫu.</a:t>
             </a:r>
             <a:endParaRPr lang="en-US" sz="1800" dirty="0">
               <a:solidFill>
@@ -15578,27 +13212,7 @@
                 <a:effectLst/>
                 <a:latin typeface="Helvetica Neue"/>
               </a:rPr>
-              <a:t>{</a:t>
-            </a:r>
-            <a:r>
-              <a:rPr lang="en-US" sz="1800" b="0" i="0" dirty="0" err="1">
-                <a:solidFill>
-                  <a:srgbClr val="EB6E4B"/>
-                </a:solidFill>
-                <a:effectLst/>
-                <a:latin typeface="Helvetica Neue"/>
-              </a:rPr>
-              <a:t>lon</a:t>
-            </a:r>
-            <a:r>
-              <a:rPr lang="en-US" sz="1800" b="0" i="0" dirty="0">
-                <a:solidFill>
-                  <a:srgbClr val="EB6E4B"/>
-                </a:solidFill>
-                <a:effectLst/>
-                <a:latin typeface="Helvetica Neue"/>
-              </a:rPr>
-              <a:t>}</a:t>
+              <a:t>{lon}</a:t>
             </a:r>
             <a:r>
               <a:rPr lang="en-US" sz="1800" dirty="0">
@@ -15607,88 +13221,16 @@
                 </a:solidFill>
                 <a:latin typeface="Helvetica Neue"/>
               </a:rPr>
-              <a:t>: Longitude, </a:t>
-            </a:r>
-            <a:r>
-              <a:rPr lang="en-US" sz="1800" dirty="0" err="1">
+              <a:t>: Longitude, kinh độ điểm lấy </a:t>
+            </a:r>
+            <a:r>
+              <a:rPr lang="en-US" sz="1800" dirty="0" smtClean="0">
                 <a:solidFill>
                   <a:srgbClr val="48484A"/>
                 </a:solidFill>
                 <a:latin typeface="Helvetica Neue"/>
               </a:rPr>
-              <a:t>kinh</a:t>
-            </a:r>
-            <a:r>
-              <a:rPr lang="en-US" sz="1800" dirty="0">
-                <a:solidFill>
-                  <a:srgbClr val="48484A"/>
-                </a:solidFill>
-                <a:latin typeface="Helvetica Neue"/>
-              </a:rPr>
-              <a:t> </a:t>
-            </a:r>
-            <a:r>
-              <a:rPr lang="en-US" sz="1800" dirty="0" err="1">
-                <a:solidFill>
-                  <a:srgbClr val="48484A"/>
-                </a:solidFill>
-                <a:latin typeface="Helvetica Neue"/>
-              </a:rPr>
-              <a:t>độ</a:t>
-            </a:r>
-            <a:r>
-              <a:rPr lang="en-US" sz="1800" dirty="0">
-                <a:solidFill>
-                  <a:srgbClr val="48484A"/>
-                </a:solidFill>
-                <a:latin typeface="Helvetica Neue"/>
-              </a:rPr>
-              <a:t> </a:t>
-            </a:r>
-            <a:r>
-              <a:rPr lang="en-US" sz="1800" dirty="0" err="1">
-                <a:solidFill>
-                  <a:srgbClr val="48484A"/>
-                </a:solidFill>
-                <a:latin typeface="Helvetica Neue"/>
-              </a:rPr>
-              <a:t>điểm</a:t>
-            </a:r>
-            <a:r>
-              <a:rPr lang="en-US" sz="1800" dirty="0">
-                <a:solidFill>
-                  <a:srgbClr val="48484A"/>
-                </a:solidFill>
-                <a:latin typeface="Helvetica Neue"/>
-              </a:rPr>
-              <a:t> </a:t>
-            </a:r>
-            <a:r>
-              <a:rPr lang="en-US" sz="1800" dirty="0" err="1">
-                <a:solidFill>
-                  <a:srgbClr val="48484A"/>
-                </a:solidFill>
-                <a:latin typeface="Helvetica Neue"/>
-              </a:rPr>
-              <a:t>lấy</a:t>
-            </a:r>
-            <a:r>
-              <a:rPr lang="en-US" sz="1800" dirty="0">
-                <a:solidFill>
-                  <a:srgbClr val="48484A"/>
-                </a:solidFill>
-                <a:latin typeface="Helvetica Neue"/>
-              </a:rPr>
-              <a:t> </a:t>
-            </a:r>
-            <a:r>
-              <a:rPr lang="en-US" sz="1800" dirty="0" err="1">
-                <a:solidFill>
-                  <a:srgbClr val="48484A"/>
-                </a:solidFill>
-                <a:latin typeface="Helvetica Neue"/>
-              </a:rPr>
-              <a:t>mẫu</a:t>
+              <a:t>mẫu.</a:t>
             </a:r>
             <a:endParaRPr lang="en-US" sz="1800" dirty="0">
               <a:solidFill>
@@ -15716,16 +13258,35 @@
                 </a:solidFill>
                 <a:latin typeface="Helvetica Neue"/>
               </a:rPr>
-              <a:t> : </a:t>
-            </a:r>
-            <a:r>
-              <a:rPr lang="en-US" sz="1800" dirty="0" err="1">
+              <a:t> : Thời điểm bắt đầu lấy mẫu ở dạng </a:t>
+            </a:r>
+            <a:r>
+              <a:rPr lang="en-US" sz="1800" dirty="0" smtClean="0">
                 <a:solidFill>
                   <a:srgbClr val="48484A"/>
                 </a:solidFill>
                 <a:latin typeface="Helvetica Neue"/>
               </a:rPr>
-              <a:t>Thời</a:t>
+              <a:t>timestamp.</a:t>
+            </a:r>
+            <a:endParaRPr lang="en-US" sz="1800" dirty="0">
+              <a:solidFill>
+                <a:srgbClr val="48484A"/>
+              </a:solidFill>
+              <a:latin typeface="Helvetica Neue"/>
+            </a:endParaRPr>
+          </a:p>
+          <a:p>
+            <a:pPr lvl="1"/>
+            <a:r>
+              <a:rPr lang="en-US" sz="1800" b="0" i="0" dirty="0">
+                <a:solidFill>
+                  <a:srgbClr val="EB6E4B"/>
+                </a:solidFill>
+                <a:effectLst/>
+                <a:latin typeface="Helvetica Neue"/>
+              </a:rPr>
+              <a:t>{end}</a:t>
             </a:r>
             <a:r>
               <a:rPr lang="en-US" sz="1800" dirty="0">
@@ -15734,16 +13295,46 @@
                 </a:solidFill>
                 <a:latin typeface="Helvetica Neue"/>
               </a:rPr>
-              <a:t> </a:t>
-            </a:r>
-            <a:r>
-              <a:rPr lang="en-US" sz="1800" dirty="0" err="1">
+              <a:t> : Thời điểm bắt đầu lấy mẫu ở dạng </a:t>
+            </a:r>
+            <a:r>
+              <a:rPr lang="en-US" sz="1800" dirty="0" smtClean="0">
                 <a:solidFill>
                   <a:srgbClr val="48484A"/>
                 </a:solidFill>
                 <a:latin typeface="Helvetica Neue"/>
               </a:rPr>
-              <a:t>điểm</a:t>
+              <a:t>timestamp.</a:t>
+            </a:r>
+            <a:endParaRPr lang="en-US" sz="1800" dirty="0">
+              <a:solidFill>
+                <a:srgbClr val="48484A"/>
+              </a:solidFill>
+              <a:latin typeface="Helvetica Neue"/>
+            </a:endParaRPr>
+          </a:p>
+          <a:p>
+            <a:pPr lvl="1"/>
+            <a:r>
+              <a:rPr lang="en-US" sz="1800" b="0" i="0" u="none" strike="noStrike" dirty="0">
+                <a:solidFill>
+                  <a:srgbClr val="EB6E4B"/>
+                </a:solidFill>
+                <a:effectLst/>
+                <a:latin typeface="Helvetica Neue"/>
+                <a:hlinkClick r:id="rId2"/>
+              </a:rPr>
+              <a:t>{API key}</a:t>
+            </a:r>
+            <a:r>
+              <a:rPr lang="en-US" sz="1800" b="0" i="0" u="none" strike="noStrike" dirty="0">
+                <a:solidFill>
+                  <a:srgbClr val="EB6E4B"/>
+                </a:solidFill>
+                <a:effectLst/>
+                <a:latin typeface="Helvetica Neue"/>
+              </a:rPr>
+              <a:t> </a:t>
             </a:r>
             <a:r>
               <a:rPr lang="en-US" sz="1800" dirty="0">
@@ -15752,531 +13343,23 @@
                 </a:solidFill>
                 <a:latin typeface="Helvetica Neue"/>
               </a:rPr>
-              <a:t> </a:t>
-            </a:r>
-            <a:r>
-              <a:rPr lang="en-US" sz="1800" dirty="0" err="1">
+              <a:t>: key được cấp cho mỗi tài khoản khi đăng ký, thể hiện quyền được request tới </a:t>
+            </a:r>
+            <a:r>
+              <a:rPr lang="en-US" sz="1800" dirty="0" smtClean="0">
                 <a:solidFill>
                   <a:srgbClr val="48484A"/>
                 </a:solidFill>
                 <a:latin typeface="Helvetica Neue"/>
               </a:rPr>
-              <a:t>bắt</a:t>
-            </a:r>
-            <a:r>
-              <a:rPr lang="en-US" sz="1800" dirty="0">
-                <a:solidFill>
-                  <a:srgbClr val="48484A"/>
-                </a:solidFill>
-                <a:latin typeface="Helvetica Neue"/>
-              </a:rPr>
-              <a:t> </a:t>
-            </a:r>
-            <a:r>
-              <a:rPr lang="en-US" sz="1800" dirty="0" err="1">
-                <a:solidFill>
-                  <a:srgbClr val="48484A"/>
-                </a:solidFill>
-                <a:latin typeface="Helvetica Neue"/>
-              </a:rPr>
-              <a:t>đầu</a:t>
-            </a:r>
-            <a:r>
-              <a:rPr lang="en-US" sz="1800" dirty="0">
-                <a:solidFill>
-                  <a:srgbClr val="48484A"/>
-                </a:solidFill>
-                <a:latin typeface="Helvetica Neue"/>
-              </a:rPr>
-              <a:t> </a:t>
-            </a:r>
-            <a:r>
-              <a:rPr lang="en-US" sz="1800" dirty="0" err="1">
-                <a:solidFill>
-                  <a:srgbClr val="48484A"/>
-                </a:solidFill>
-                <a:latin typeface="Helvetica Neue"/>
-              </a:rPr>
-              <a:t>lấy</a:t>
-            </a:r>
-            <a:r>
-              <a:rPr lang="en-US" sz="1800" dirty="0">
-                <a:solidFill>
-                  <a:srgbClr val="48484A"/>
-                </a:solidFill>
-                <a:latin typeface="Helvetica Neue"/>
-              </a:rPr>
-              <a:t> </a:t>
-            </a:r>
-            <a:r>
-              <a:rPr lang="en-US" sz="1800" dirty="0" err="1">
-                <a:solidFill>
-                  <a:srgbClr val="48484A"/>
-                </a:solidFill>
-                <a:latin typeface="Helvetica Neue"/>
-              </a:rPr>
-              <a:t>mẫu</a:t>
-            </a:r>
-            <a:r>
-              <a:rPr lang="en-US" sz="1800" dirty="0">
-                <a:solidFill>
-                  <a:srgbClr val="48484A"/>
-                </a:solidFill>
-                <a:latin typeface="Helvetica Neue"/>
-              </a:rPr>
-              <a:t> ở </a:t>
-            </a:r>
-            <a:r>
-              <a:rPr lang="en-US" sz="1800" dirty="0" err="1">
-                <a:solidFill>
-                  <a:srgbClr val="48484A"/>
-                </a:solidFill>
-                <a:latin typeface="Helvetica Neue"/>
-              </a:rPr>
-              <a:t>dạng</a:t>
-            </a:r>
-            <a:r>
-              <a:rPr lang="en-US" sz="1800" dirty="0">
-                <a:solidFill>
-                  <a:srgbClr val="48484A"/>
-                </a:solidFill>
-                <a:latin typeface="Helvetica Neue"/>
-              </a:rPr>
-              <a:t> timestamp</a:t>
-            </a:r>
-          </a:p>
-          <a:p>
-            <a:pPr lvl="1"/>
-            <a:r>
-              <a:rPr lang="en-US" sz="1800" b="0" i="0" dirty="0">
-                <a:solidFill>
-                  <a:srgbClr val="EB6E4B"/>
-                </a:solidFill>
-                <a:effectLst/>
-                <a:latin typeface="Helvetica Neue"/>
-              </a:rPr>
-              <a:t>{end}</a:t>
-            </a:r>
-            <a:r>
-              <a:rPr lang="en-US" sz="1800" dirty="0">
-                <a:solidFill>
-                  <a:srgbClr val="48484A"/>
-                </a:solidFill>
-                <a:latin typeface="Helvetica Neue"/>
-              </a:rPr>
-              <a:t> : </a:t>
-            </a:r>
-            <a:r>
-              <a:rPr lang="en-US" sz="1800" dirty="0" err="1">
-                <a:solidFill>
-                  <a:srgbClr val="48484A"/>
-                </a:solidFill>
-                <a:latin typeface="Helvetica Neue"/>
-              </a:rPr>
-              <a:t>Thời</a:t>
-            </a:r>
-            <a:r>
-              <a:rPr lang="en-US" sz="1800" dirty="0">
-                <a:solidFill>
-                  <a:srgbClr val="48484A"/>
-                </a:solidFill>
-                <a:latin typeface="Helvetica Neue"/>
-              </a:rPr>
-              <a:t> </a:t>
-            </a:r>
-            <a:r>
-              <a:rPr lang="en-US" sz="1800" dirty="0" err="1">
-                <a:solidFill>
-                  <a:srgbClr val="48484A"/>
-                </a:solidFill>
-                <a:latin typeface="Helvetica Neue"/>
-              </a:rPr>
-              <a:t>điểm</a:t>
-            </a:r>
-            <a:r>
-              <a:rPr lang="en-US" sz="1800" dirty="0">
-                <a:solidFill>
-                  <a:srgbClr val="48484A"/>
-                </a:solidFill>
-                <a:latin typeface="Helvetica Neue"/>
-              </a:rPr>
-              <a:t> </a:t>
-            </a:r>
-            <a:r>
-              <a:rPr lang="en-US" sz="1800" dirty="0" err="1">
-                <a:solidFill>
-                  <a:srgbClr val="48484A"/>
-                </a:solidFill>
-                <a:latin typeface="Helvetica Neue"/>
-              </a:rPr>
-              <a:t>bắt</a:t>
-            </a:r>
-            <a:r>
-              <a:rPr lang="en-US" sz="1800" dirty="0">
-                <a:solidFill>
-                  <a:srgbClr val="48484A"/>
-                </a:solidFill>
-                <a:latin typeface="Helvetica Neue"/>
-              </a:rPr>
-              <a:t> </a:t>
-            </a:r>
-            <a:r>
-              <a:rPr lang="en-US" sz="1800" dirty="0" err="1">
-                <a:solidFill>
-                  <a:srgbClr val="48484A"/>
-                </a:solidFill>
-                <a:latin typeface="Helvetica Neue"/>
-              </a:rPr>
-              <a:t>đầu</a:t>
-            </a:r>
-            <a:r>
-              <a:rPr lang="en-US" sz="1800" dirty="0">
-                <a:solidFill>
-                  <a:srgbClr val="48484A"/>
-                </a:solidFill>
-                <a:latin typeface="Helvetica Neue"/>
-              </a:rPr>
-              <a:t> </a:t>
-            </a:r>
-            <a:r>
-              <a:rPr lang="en-US" sz="1800" dirty="0" err="1">
-                <a:solidFill>
-                  <a:srgbClr val="48484A"/>
-                </a:solidFill>
-                <a:latin typeface="Helvetica Neue"/>
-              </a:rPr>
-              <a:t>lấy</a:t>
-            </a:r>
-            <a:r>
-              <a:rPr lang="en-US" sz="1800" dirty="0">
-                <a:solidFill>
-                  <a:srgbClr val="48484A"/>
-                </a:solidFill>
-                <a:latin typeface="Helvetica Neue"/>
-              </a:rPr>
-              <a:t> </a:t>
-            </a:r>
-            <a:r>
-              <a:rPr lang="en-US" sz="1800" dirty="0" err="1">
-                <a:solidFill>
-                  <a:srgbClr val="48484A"/>
-                </a:solidFill>
-                <a:latin typeface="Helvetica Neue"/>
-              </a:rPr>
-              <a:t>mẫu</a:t>
-            </a:r>
-            <a:r>
-              <a:rPr lang="en-US" sz="1800" dirty="0">
-                <a:solidFill>
-                  <a:srgbClr val="48484A"/>
-                </a:solidFill>
-                <a:latin typeface="Helvetica Neue"/>
-              </a:rPr>
-              <a:t> ở </a:t>
-            </a:r>
-            <a:r>
-              <a:rPr lang="en-US" sz="1800" dirty="0" err="1">
-                <a:solidFill>
-                  <a:srgbClr val="48484A"/>
-                </a:solidFill>
-                <a:latin typeface="Helvetica Neue"/>
-              </a:rPr>
-              <a:t>dạng</a:t>
-            </a:r>
-            <a:r>
-              <a:rPr lang="en-US" sz="1800" dirty="0">
-                <a:solidFill>
-                  <a:srgbClr val="48484A"/>
-                </a:solidFill>
-                <a:latin typeface="Helvetica Neue"/>
-              </a:rPr>
-              <a:t> timestamp</a:t>
-            </a:r>
-          </a:p>
-          <a:p>
-            <a:pPr lvl="1"/>
-            <a:r>
-              <a:rPr lang="en-US" sz="1800" b="0" i="0" u="none" strike="noStrike" dirty="0">
-                <a:solidFill>
-                  <a:srgbClr val="EB6E4B"/>
-                </a:solidFill>
-                <a:effectLst/>
-                <a:latin typeface="Helvetica Neue"/>
-                <a:hlinkClick r:id="rId2"/>
-              </a:rPr>
-              <a:t>{API key}</a:t>
-            </a:r>
-            <a:r>
-              <a:rPr lang="en-US" sz="1800" b="0" i="0" u="none" strike="noStrike" dirty="0">
-                <a:solidFill>
-                  <a:srgbClr val="EB6E4B"/>
-                </a:solidFill>
-                <a:effectLst/>
-                <a:latin typeface="Helvetica Neue"/>
-              </a:rPr>
-              <a:t> </a:t>
-            </a:r>
-            <a:r>
-              <a:rPr lang="en-US" sz="1800" dirty="0">
-                <a:solidFill>
-                  <a:srgbClr val="48484A"/>
-                </a:solidFill>
-                <a:latin typeface="Helvetica Neue"/>
-              </a:rPr>
-              <a:t>: key </a:t>
-            </a:r>
-            <a:r>
-              <a:rPr lang="en-US" sz="1800" dirty="0" err="1">
-                <a:solidFill>
-                  <a:srgbClr val="48484A"/>
-                </a:solidFill>
-                <a:latin typeface="Helvetica Neue"/>
-              </a:rPr>
-              <a:t>được</a:t>
-            </a:r>
-            <a:r>
-              <a:rPr lang="en-US" sz="1800" dirty="0">
-                <a:solidFill>
-                  <a:srgbClr val="48484A"/>
-                </a:solidFill>
-                <a:latin typeface="Helvetica Neue"/>
-              </a:rPr>
-              <a:t> </a:t>
-            </a:r>
-            <a:r>
-              <a:rPr lang="en-US" sz="1800" dirty="0" err="1">
-                <a:solidFill>
-                  <a:srgbClr val="48484A"/>
-                </a:solidFill>
-                <a:latin typeface="Helvetica Neue"/>
-              </a:rPr>
-              <a:t>cấp</a:t>
-            </a:r>
-            <a:r>
-              <a:rPr lang="en-US" sz="1800" dirty="0">
-                <a:solidFill>
-                  <a:srgbClr val="48484A"/>
-                </a:solidFill>
-                <a:latin typeface="Helvetica Neue"/>
-              </a:rPr>
-              <a:t> </a:t>
-            </a:r>
-            <a:r>
-              <a:rPr lang="en-US" sz="1800" dirty="0" err="1">
-                <a:solidFill>
-                  <a:srgbClr val="48484A"/>
-                </a:solidFill>
-                <a:latin typeface="Helvetica Neue"/>
-              </a:rPr>
-              <a:t>cho</a:t>
-            </a:r>
-            <a:r>
-              <a:rPr lang="en-US" sz="1800" dirty="0">
-                <a:solidFill>
-                  <a:srgbClr val="48484A"/>
-                </a:solidFill>
-                <a:latin typeface="Helvetica Neue"/>
-              </a:rPr>
-              <a:t> </a:t>
-            </a:r>
-            <a:r>
-              <a:rPr lang="en-US" sz="1800" dirty="0" err="1">
-                <a:solidFill>
-                  <a:srgbClr val="48484A"/>
-                </a:solidFill>
-                <a:latin typeface="Helvetica Neue"/>
-              </a:rPr>
-              <a:t>mỗi</a:t>
-            </a:r>
-            <a:r>
-              <a:rPr lang="en-US" sz="1800" dirty="0">
-                <a:solidFill>
-                  <a:srgbClr val="48484A"/>
-                </a:solidFill>
-                <a:latin typeface="Helvetica Neue"/>
-              </a:rPr>
-              <a:t> </a:t>
-            </a:r>
-            <a:r>
-              <a:rPr lang="en-US" sz="1800" dirty="0" err="1">
-                <a:solidFill>
-                  <a:srgbClr val="48484A"/>
-                </a:solidFill>
-                <a:latin typeface="Helvetica Neue"/>
-              </a:rPr>
-              <a:t>tài</a:t>
-            </a:r>
-            <a:r>
-              <a:rPr lang="en-US" sz="1800" dirty="0">
-                <a:solidFill>
-                  <a:srgbClr val="48484A"/>
-                </a:solidFill>
-                <a:latin typeface="Helvetica Neue"/>
-              </a:rPr>
-              <a:t> </a:t>
-            </a:r>
-            <a:r>
-              <a:rPr lang="en-US" sz="1800" dirty="0" err="1">
-                <a:solidFill>
-                  <a:srgbClr val="48484A"/>
-                </a:solidFill>
-                <a:latin typeface="Helvetica Neue"/>
-              </a:rPr>
-              <a:t>khoản</a:t>
-            </a:r>
-            <a:r>
-              <a:rPr lang="en-US" sz="1800" dirty="0">
-                <a:solidFill>
-                  <a:srgbClr val="48484A"/>
-                </a:solidFill>
-                <a:latin typeface="Helvetica Neue"/>
-              </a:rPr>
-              <a:t> </a:t>
-            </a:r>
-            <a:r>
-              <a:rPr lang="en-US" sz="1800" dirty="0" err="1">
-                <a:solidFill>
-                  <a:srgbClr val="48484A"/>
-                </a:solidFill>
-                <a:latin typeface="Helvetica Neue"/>
-              </a:rPr>
-              <a:t>khi</a:t>
-            </a:r>
-            <a:r>
-              <a:rPr lang="en-US" sz="1800" dirty="0">
-                <a:solidFill>
-                  <a:srgbClr val="48484A"/>
-                </a:solidFill>
-                <a:latin typeface="Helvetica Neue"/>
-              </a:rPr>
-              <a:t> </a:t>
-            </a:r>
-            <a:r>
-              <a:rPr lang="en-US" sz="1800" dirty="0" err="1">
-                <a:solidFill>
-                  <a:srgbClr val="48484A"/>
-                </a:solidFill>
-                <a:latin typeface="Helvetica Neue"/>
-              </a:rPr>
-              <a:t>đăng</a:t>
-            </a:r>
-            <a:r>
-              <a:rPr lang="en-US" sz="1800" dirty="0">
-                <a:solidFill>
-                  <a:srgbClr val="48484A"/>
-                </a:solidFill>
-                <a:latin typeface="Helvetica Neue"/>
-              </a:rPr>
-              <a:t> </a:t>
-            </a:r>
-            <a:r>
-              <a:rPr lang="en-US" sz="1800" dirty="0" err="1">
-                <a:solidFill>
-                  <a:srgbClr val="48484A"/>
-                </a:solidFill>
-                <a:latin typeface="Helvetica Neue"/>
-              </a:rPr>
-              <a:t>ký</a:t>
-            </a:r>
-            <a:r>
-              <a:rPr lang="en-US" sz="1800" dirty="0">
-                <a:solidFill>
-                  <a:srgbClr val="48484A"/>
-                </a:solidFill>
-                <a:latin typeface="Helvetica Neue"/>
-              </a:rPr>
-              <a:t>, </a:t>
-            </a:r>
-            <a:r>
-              <a:rPr lang="en-US" sz="1800" dirty="0" err="1">
-                <a:solidFill>
-                  <a:srgbClr val="48484A"/>
-                </a:solidFill>
-                <a:latin typeface="Helvetica Neue"/>
-              </a:rPr>
-              <a:t>thể</a:t>
-            </a:r>
-            <a:r>
-              <a:rPr lang="en-US" sz="1800" dirty="0">
-                <a:solidFill>
-                  <a:srgbClr val="48484A"/>
-                </a:solidFill>
-                <a:latin typeface="Helvetica Neue"/>
-              </a:rPr>
-              <a:t> </a:t>
-            </a:r>
-            <a:r>
-              <a:rPr lang="en-US" sz="1800" dirty="0" err="1">
-                <a:solidFill>
-                  <a:srgbClr val="48484A"/>
-                </a:solidFill>
-                <a:latin typeface="Helvetica Neue"/>
-              </a:rPr>
-              <a:t>hiện</a:t>
-            </a:r>
-            <a:r>
-              <a:rPr lang="en-US" sz="1800" dirty="0">
-                <a:solidFill>
-                  <a:srgbClr val="48484A"/>
-                </a:solidFill>
-                <a:latin typeface="Helvetica Neue"/>
-              </a:rPr>
-              <a:t> </a:t>
-            </a:r>
-            <a:r>
-              <a:rPr lang="en-US" sz="1800" dirty="0" err="1">
-                <a:solidFill>
-                  <a:srgbClr val="48484A"/>
-                </a:solidFill>
-                <a:latin typeface="Helvetica Neue"/>
-              </a:rPr>
-              <a:t>quyền</a:t>
-            </a:r>
-            <a:r>
-              <a:rPr lang="en-US" sz="1800" dirty="0">
-                <a:solidFill>
-                  <a:srgbClr val="48484A"/>
-                </a:solidFill>
-                <a:latin typeface="Helvetica Neue"/>
-              </a:rPr>
-              <a:t> </a:t>
-            </a:r>
-            <a:r>
-              <a:rPr lang="en-US" sz="1800" dirty="0" err="1">
-                <a:solidFill>
-                  <a:srgbClr val="48484A"/>
-                </a:solidFill>
-                <a:latin typeface="Helvetica Neue"/>
-              </a:rPr>
-              <a:t>được</a:t>
-            </a:r>
-            <a:r>
-              <a:rPr lang="en-US" sz="1800" dirty="0">
-                <a:solidFill>
-                  <a:srgbClr val="48484A"/>
-                </a:solidFill>
-                <a:latin typeface="Helvetica Neue"/>
-              </a:rPr>
-              <a:t> request </a:t>
-            </a:r>
-            <a:r>
-              <a:rPr lang="en-US" sz="1800" dirty="0" err="1">
-                <a:solidFill>
-                  <a:srgbClr val="48484A"/>
-                </a:solidFill>
-                <a:latin typeface="Helvetica Neue"/>
-              </a:rPr>
-              <a:t>tới</a:t>
-            </a:r>
-            <a:r>
-              <a:rPr lang="en-US" sz="1800" dirty="0">
-                <a:solidFill>
-                  <a:srgbClr val="48484A"/>
-                </a:solidFill>
-                <a:latin typeface="Helvetica Neue"/>
-              </a:rPr>
-              <a:t> API</a:t>
-            </a:r>
+              <a:t>API.</a:t>
+            </a:r>
+            <a:endParaRPr lang="en-US" sz="1800" dirty="0">
+              <a:solidFill>
+                <a:srgbClr val="48484A"/>
+              </a:solidFill>
+              <a:latin typeface="Helvetica Neue"/>
+            </a:endParaRPr>
           </a:p>
           <a:p>
             <a:pPr lvl="1"/>
@@ -16306,6 +13389,13 @@
   <p:clrMapOvr>
     <a:masterClrMapping/>
   </p:clrMapOvr>
+  <p:timing>
+    <p:tnLst>
+      <p:par>
+        <p:cTn id="1" dur="indefinite" restart="never" nodeType="tmRoot"/>
+      </p:par>
+    </p:tnLst>
+  </p:timing>
 </p:sld>
 </file>
 
@@ -16382,6 +13472,12 @@
                 <a:latin typeface="Helvetica Neue"/>
               </a:rPr>
               <a:t>liệu</a:t>
+            </a:r>
+            <a:r>
+              <a:rPr lang="en-US" b="1" dirty="0">
+                <a:latin typeface="Helvetica Neue"/>
+              </a:rPr>
+              <a:t/>
             </a:r>
             <a:br>
               <a:rPr lang="en-US" b="1" dirty="0">
@@ -16455,55 +13551,25 @@
               <a:rPr lang="en-US" sz="2800" dirty="0">
                 <a:latin typeface="Helvetica Neue"/>
               </a:rPr>
-              <a:t>API </a:t>
-            </a:r>
-            <a:r>
-              <a:rPr lang="en-US" sz="2800" dirty="0" err="1">
-                <a:latin typeface="Helvetica Neue"/>
-              </a:rPr>
-              <a:t>trả</a:t>
+              <a:t>API trả về dữ liệu </a:t>
+            </a:r>
+            <a:r>
+              <a:rPr lang="en-US" sz="2800" dirty="0" smtClean="0">
+                <a:latin typeface="Helvetica Neue"/>
+              </a:rPr>
+              <a:t>dạng</a:t>
+            </a:r>
+            <a:r>
+              <a:rPr lang="en-US" sz="2800" dirty="0" smtClean="0">
+                <a:latin typeface="Helvetica Neue"/>
+              </a:rPr>
+              <a:t> </a:t>
             </a:r>
             <a:r>
               <a:rPr lang="en-US" sz="2800" dirty="0">
                 <a:latin typeface="Helvetica Neue"/>
               </a:rPr>
-              <a:t> </a:t>
-            </a:r>
-            <a:r>
-              <a:rPr lang="en-US" sz="2800" dirty="0" err="1">
-                <a:latin typeface="Helvetica Neue"/>
-              </a:rPr>
-              <a:t>về</a:t>
-            </a:r>
-            <a:r>
-              <a:rPr lang="en-US" sz="2800" dirty="0">
-                <a:latin typeface="Helvetica Neue"/>
-              </a:rPr>
-              <a:t> </a:t>
-            </a:r>
-            <a:r>
-              <a:rPr lang="en-US" sz="2800" dirty="0" err="1">
-                <a:latin typeface="Helvetica Neue"/>
-              </a:rPr>
-              <a:t>dữ</a:t>
-            </a:r>
-            <a:r>
-              <a:rPr lang="en-US" sz="2800" dirty="0">
-                <a:latin typeface="Helvetica Neue"/>
-              </a:rPr>
-              <a:t> </a:t>
-            </a:r>
-            <a:r>
-              <a:rPr lang="en-US" sz="2800" dirty="0" err="1">
-                <a:latin typeface="Helvetica Neue"/>
-              </a:rPr>
-              <a:t>liệu</a:t>
-            </a:r>
-            <a:r>
-              <a:rPr lang="en-US" sz="2800" dirty="0">
-                <a:latin typeface="Helvetica Neue"/>
-              </a:rPr>
-              <a:t> dang JSON</a:t>
+              <a:t>JSON</a:t>
             </a:r>
           </a:p>
         </p:txBody>
@@ -16518,6 +13584,13 @@
   <p:clrMapOvr>
     <a:masterClrMapping/>
   </p:clrMapOvr>
+  <p:timing>
+    <p:tnLst>
+      <p:par>
+        <p:cTn id="1" dur="indefinite" restart="never" nodeType="tmRoot"/>
+      </p:par>
+    </p:tnLst>
+  </p:timing>
 </p:sld>
 </file>
 
@@ -16602,6 +13675,12 @@
               </a:rPr>
               <a:t>liệu</a:t>
             </a:r>
+            <a:r>
+              <a:rPr lang="en-US" b="1" dirty="0">
+                <a:latin typeface="Helvetica Neue"/>
+              </a:rPr>
+              <a:t/>
+            </a:r>
             <a:br>
               <a:rPr lang="en-US" b="1" dirty="0">
                 <a:latin typeface="Helvetica Neue"/>
@@ -16640,82 +13719,16 @@
           <a:lstStyle/>
           <a:p>
             <a:r>
-              <a:rPr lang="en-US" dirty="0" err="1">
-                <a:latin typeface="Helvetica Neue"/>
-              </a:rPr>
-              <a:t>Dùng</a:t>
-            </a:r>
-            <a:r>
               <a:rPr lang="en-US" dirty="0">
                 <a:latin typeface="Helvetica Neue"/>
               </a:rPr>
-              <a:t> </a:t>
-            </a:r>
-            <a:r>
-              <a:rPr lang="en-US" dirty="0" err="1">
-                <a:latin typeface="Helvetica Neue"/>
-              </a:rPr>
-              <a:t>Dict</a:t>
-            </a:r>
-            <a:r>
-              <a:rPr lang="en-US" dirty="0">
-                <a:latin typeface="Helvetica Neue"/>
-              </a:rPr>
-              <a:t> </a:t>
-            </a:r>
-            <a:r>
-              <a:rPr lang="en-US" dirty="0" err="1">
-                <a:latin typeface="Helvetica Neue"/>
-              </a:rPr>
-              <a:t>để</a:t>
-            </a:r>
-            <a:r>
-              <a:rPr lang="en-US" dirty="0">
-                <a:latin typeface="Helvetica Neue"/>
-              </a:rPr>
-              <a:t> </a:t>
-            </a:r>
-            <a:r>
-              <a:rPr lang="en-US" dirty="0" err="1">
-                <a:latin typeface="Helvetica Neue"/>
-              </a:rPr>
-              <a:t>biểu</a:t>
-            </a:r>
-            <a:r>
-              <a:rPr lang="en-US" dirty="0">
-                <a:latin typeface="Helvetica Neue"/>
-              </a:rPr>
-              <a:t> </a:t>
-            </a:r>
-            <a:r>
-              <a:rPr lang="en-US" dirty="0" err="1">
-                <a:latin typeface="Helvetica Neue"/>
-              </a:rPr>
-              <a:t>diễn</a:t>
-            </a:r>
-            <a:r>
-              <a:rPr lang="en-US" dirty="0">
-                <a:latin typeface="Helvetica Neue"/>
-              </a:rPr>
-              <a:t> </a:t>
-            </a:r>
-            <a:r>
-              <a:rPr lang="en-US" dirty="0" err="1">
-                <a:latin typeface="Helvetica Neue"/>
-              </a:rPr>
-              <a:t>dữ</a:t>
-            </a:r>
-            <a:r>
-              <a:rPr lang="en-US" dirty="0">
-                <a:latin typeface="Helvetica Neue"/>
-              </a:rPr>
-              <a:t> </a:t>
-            </a:r>
-            <a:r>
-              <a:rPr lang="en-US" dirty="0" err="1">
-                <a:latin typeface="Helvetica Neue"/>
-              </a:rPr>
-              <a:t>liệu</a:t>
+              <a:t>Dùng Dict để biểu diễn dữ </a:t>
+            </a:r>
+            <a:r>
+              <a:rPr lang="en-US" dirty="0" smtClean="0">
+                <a:latin typeface="Helvetica Neue"/>
+              </a:rPr>
+              <a:t>liệu:</a:t>
             </a:r>
             <a:endParaRPr lang="en-US" dirty="0">
               <a:latin typeface="Helvetica Neue"/>
@@ -16770,53 +13783,18 @@
           </a:p>
           <a:p>
             <a:r>
-              <a:rPr lang="en-US" dirty="0" err="1">
+              <a:rPr lang="en-US" dirty="0">
                 <a:latin typeface="Helvetica Neue"/>
                 <a:cs typeface="Courier New" panose="02070309020205020404" pitchFamily="49" charset="0"/>
               </a:rPr>
-              <a:t>Làm</a:t>
-            </a:r>
-            <a:r>
-              <a:rPr lang="en-US" dirty="0">
+              <a:t>Làm phẳng dữ </a:t>
+            </a:r>
+            <a:r>
+              <a:rPr lang="en-US" dirty="0" smtClean="0">
                 <a:latin typeface="Helvetica Neue"/>
                 <a:cs typeface="Courier New" panose="02070309020205020404" pitchFamily="49" charset="0"/>
               </a:rPr>
-              <a:t> </a:t>
-            </a:r>
-            <a:r>
-              <a:rPr lang="en-US" dirty="0" err="1">
-                <a:latin typeface="Helvetica Neue"/>
-                <a:cs typeface="Courier New" panose="02070309020205020404" pitchFamily="49" charset="0"/>
-              </a:rPr>
-              <a:t>phẳng</a:t>
-            </a:r>
-            <a:r>
-              <a:rPr lang="en-US" dirty="0">
-                <a:latin typeface="Helvetica Neue"/>
-                <a:cs typeface="Courier New" panose="02070309020205020404" pitchFamily="49" charset="0"/>
-              </a:rPr>
-              <a:t> </a:t>
-            </a:r>
-            <a:r>
-              <a:rPr lang="en-US" dirty="0" err="1">
-                <a:latin typeface="Helvetica Neue"/>
-                <a:cs typeface="Courier New" panose="02070309020205020404" pitchFamily="49" charset="0"/>
-              </a:rPr>
-              <a:t>dữ</a:t>
-            </a:r>
-            <a:r>
-              <a:rPr lang="en-US" dirty="0">
-                <a:latin typeface="Helvetica Neue"/>
-                <a:cs typeface="Courier New" panose="02070309020205020404" pitchFamily="49" charset="0"/>
-              </a:rPr>
-              <a:t> </a:t>
-            </a:r>
-            <a:r>
-              <a:rPr lang="en-US" dirty="0" err="1">
-                <a:latin typeface="Helvetica Neue"/>
-                <a:cs typeface="Courier New" panose="02070309020205020404" pitchFamily="49" charset="0"/>
-              </a:rPr>
-              <a:t>liệu</a:t>
+              <a:t>liệu:</a:t>
             </a:r>
             <a:endParaRPr lang="en-US" dirty="0">
               <a:latin typeface="Helvetica Neue"/>
@@ -16856,29 +13834,20 @@
           </a:p>
           <a:p>
             <a:r>
-              <a:rPr lang="en-US" dirty="0" err="1">
-                <a:latin typeface="Helvetica Neue"/>
-              </a:rPr>
-              <a:t>Lưu</a:t>
-            </a:r>
-            <a:r>
               <a:rPr lang="en-US" dirty="0">
                 <a:latin typeface="Helvetica Neue"/>
               </a:rPr>
-              <a:t> </a:t>
-            </a:r>
-            <a:r>
-              <a:rPr lang="en-US" dirty="0" err="1">
-                <a:latin typeface="Helvetica Neue"/>
-              </a:rPr>
-              <a:t>xuống</a:t>
-            </a:r>
-            <a:r>
-              <a:rPr lang="en-US" dirty="0">
-                <a:latin typeface="Helvetica Neue"/>
-              </a:rPr>
-              <a:t> file CSV</a:t>
-            </a:r>
+              <a:t>Lưu xuống file </a:t>
+            </a:r>
+            <a:r>
+              <a:rPr lang="en-US" dirty="0" smtClean="0">
+                <a:latin typeface="Helvetica Neue"/>
+              </a:rPr>
+              <a:t>CSV:</a:t>
+            </a:r>
+            <a:endParaRPr lang="en-US" dirty="0">
+              <a:latin typeface="Helvetica Neue"/>
+            </a:endParaRPr>
           </a:p>
           <a:p>
             <a:endParaRPr lang="en-US" dirty="0">
@@ -16909,7 +13878,7 @@
         </p:blipFill>
         <p:spPr>
           <a:xfrm>
-            <a:off x="1973252" y="4177976"/>
+            <a:off x="1280525" y="3716158"/>
             <a:ext cx="8040222" cy="2314898"/>
           </a:xfrm>
           <a:prstGeom prst="rect">
@@ -16927,6 +13896,13 @@
   <p:clrMapOvr>
     <a:masterClrMapping/>
   </p:clrMapOvr>
+  <p:timing>
+    <p:tnLst>
+      <p:par>
+        <p:cTn id="1" dur="indefinite" restart="never" nodeType="tmRoot"/>
+      </p:par>
+    </p:tnLst>
+  </p:timing>
 </p:sld>
 </file>
 
@@ -17487,6 +14463,13 @@
   <p:clrMapOvr>
     <a:masterClrMapping/>
   </p:clrMapOvr>
+  <p:timing>
+    <p:tnLst>
+      <p:par>
+        <p:cTn id="1" dur="indefinite" restart="never" nodeType="tmRoot"/>
+      </p:par>
+    </p:tnLst>
+  </p:timing>
 </p:sld>
 </file>
 
@@ -17866,14 +14849,14 @@
           <p:nvPr>
             <p:extLst>
               <p:ext uri="{D42A27DB-BD31-4B8C-83A1-F6EECF244321}">
-                <p14:modId xmlns:p14="http://schemas.microsoft.com/office/powerpoint/2010/main" val="2590650637"/>
+                <p14:modId xmlns:p14="http://schemas.microsoft.com/office/powerpoint/2010/main" val="1223391594"/>
               </p:ext>
             </p:extLst>
           </p:nvPr>
         </p:nvGraphicFramePr>
         <p:xfrm>
-          <a:off x="1173583" y="2418080"/>
-          <a:ext cx="9146070" cy="741680"/>
+          <a:off x="1192056" y="2660072"/>
+          <a:ext cx="9146070" cy="736600"/>
         </p:xfrm>
         <a:graphic>
           <a:graphicData uri="http://schemas.openxmlformats.org/drawingml/2006/table">
@@ -17946,7 +14929,7 @@
                   </a:extLst>
                 </a:gridCol>
               </a:tblGrid>
-              <a:tr h="370840">
+              <a:tr h="285865">
                 <a:tc>
                   <a:txBody>
                     <a:bodyPr/>
@@ -18397,6 +15380,13 @@
   <p:clrMapOvr>
     <a:masterClrMapping/>
   </p:clrMapOvr>
+  <p:timing>
+    <p:tnLst>
+      <p:par>
+        <p:cTn id="1" dur="indefinite" restart="never" nodeType="tmRoot"/>
+      </p:par>
+    </p:tnLst>
+  </p:timing>
 </p:sld>
 </file>
 
@@ -18692,12 +15682,18 @@
             <a:pPr lvl="1"/>
             <a:r>
               <a:rPr lang="en-US" dirty="0" err="1">
+                <a:solidFill>
+                  <a:schemeClr val="tx1"/>
+                </a:solidFill>
                 <a:cs typeface="Courier New" panose="02070309020205020404" pitchFamily="49" charset="0"/>
               </a:rPr>
               <a:t>data_df.index.duplicated</a:t>
             </a:r>
             <a:r>
               <a:rPr lang="en-US" dirty="0">
+                <a:solidFill>
+                  <a:schemeClr val="tx1"/>
+                </a:solidFill>
                 <a:cs typeface="Courier New" panose="02070309020205020404" pitchFamily="49" charset="0"/>
               </a:rPr>
               <a:t>().sum() : 0</a:t>
@@ -18850,6 +15846,13 @@
   <p:clrMapOvr>
     <a:masterClrMapping/>
   </p:clrMapOvr>
+  <p:timing>
+    <p:tnLst>
+      <p:par>
+        <p:cTn id="1" dur="indefinite" restart="never" nodeType="tmRoot"/>
+      </p:par>
+    </p:tnLst>
+  </p:timing>
 </p:sld>
 </file>
 
